--- a/summarise_diagram.pptx
+++ b/summarise_diagram.pptx
@@ -6,8 +6,9 @@
   </p:sldMasterIdLst>
   <p:sldIdLst>
     <p:sldId id="256" r:id="rId2"/>
+    <p:sldId id="257" r:id="rId3"/>
   </p:sldIdLst>
-  <p:sldSz cx="6400800" cy="2193925"/>
+  <p:sldSz cx="6400800" cy="1828800"/>
   <p:notesSz cx="6858000" cy="9144000"/>
   <p:defaultTextStyle>
     <a:defPPr>
@@ -104,6 +105,11 @@
       </a:defRPr>
     </a:lvl9pPr>
   </p:defaultTextStyle>
+  <p:extLst>
+    <p:ext uri="{EFAFB233-063F-42B5-8137-9DF3F51BA10A}">
+      <p15:sldGuideLst xmlns:p15="http://schemas.microsoft.com/office/powerpoint/2012/main"/>
+    </p:ext>
+  </p:extLst>
 </p:presentation>
 </file>
 
@@ -136,15 +142,15 @@
         </p:nvSpPr>
         <p:spPr>
           <a:xfrm>
-            <a:off x="480060" y="359058"/>
-            <a:ext cx="5440680" cy="763811"/>
+            <a:off x="480060" y="299304"/>
+            <a:ext cx="5440680" cy="636693"/>
           </a:xfrm>
         </p:spPr>
         <p:txBody>
           <a:bodyPr anchor="b"/>
           <a:lstStyle>
             <a:lvl1pPr algn="ctr">
-              <a:defRPr sz="6479"/>
+              <a:defRPr sz="6480"/>
             </a:lvl1pPr>
           </a:lstStyle>
           <a:p>
@@ -168,8 +174,8 @@
         </p:nvSpPr>
         <p:spPr>
           <a:xfrm>
-            <a:off x="800101" y="1152326"/>
-            <a:ext cx="4800600" cy="529691"/>
+            <a:off x="800101" y="960552"/>
+            <a:ext cx="4800600" cy="441537"/>
           </a:xfrm>
         </p:spPr>
         <p:txBody>
@@ -177,37 +183,37 @@
           <a:lstStyle>
             <a:lvl1pPr marL="0" indent="0" algn="ctr">
               <a:buNone/>
-              <a:defRPr sz="2592"/>
+              <a:defRPr sz="2593"/>
             </a:lvl1pPr>
-            <a:lvl2pPr marL="493691" indent="0" algn="ctr">
-              <a:buNone/>
-              <a:defRPr sz="2160"/>
+            <a:lvl2pPr marL="493726" indent="0" algn="ctr">
+              <a:buNone/>
+              <a:defRPr sz="2161"/>
             </a:lvl2pPr>
-            <a:lvl3pPr marL="987383" indent="0" algn="ctr">
-              <a:buNone/>
-              <a:defRPr sz="1944"/>
+            <a:lvl3pPr marL="987451" indent="0" algn="ctr">
+              <a:buNone/>
+              <a:defRPr sz="1945"/>
             </a:lvl3pPr>
-            <a:lvl4pPr marL="1481074" indent="0" algn="ctr">
+            <a:lvl4pPr marL="1481177" indent="0" algn="ctr">
               <a:buNone/>
               <a:defRPr sz="1728"/>
             </a:lvl4pPr>
-            <a:lvl5pPr marL="1974765" indent="0" algn="ctr">
+            <a:lvl5pPr marL="1974903" indent="0" algn="ctr">
               <a:buNone/>
               <a:defRPr sz="1728"/>
             </a:lvl5pPr>
-            <a:lvl6pPr marL="2468455" indent="0" algn="ctr">
+            <a:lvl6pPr marL="2468627" indent="0" algn="ctr">
               <a:buNone/>
               <a:defRPr sz="1728"/>
             </a:lvl6pPr>
-            <a:lvl7pPr marL="2962148" indent="0" algn="ctr">
+            <a:lvl7pPr marL="2962356" indent="0" algn="ctr">
               <a:buNone/>
               <a:defRPr sz="1728"/>
             </a:lvl7pPr>
-            <a:lvl8pPr marL="3455838" indent="0" algn="ctr">
+            <a:lvl8pPr marL="3456080" indent="0" algn="ctr">
               <a:buNone/>
               <a:defRPr sz="1728"/>
             </a:lvl8pPr>
-            <a:lvl9pPr marL="3949529" indent="0" algn="ctr">
+            <a:lvl9pPr marL="3949805" indent="0" algn="ctr">
               <a:buNone/>
               <a:defRPr sz="1728"/>
             </a:lvl9pPr>
@@ -498,8 +504,8 @@
         </p:nvSpPr>
         <p:spPr>
           <a:xfrm>
-            <a:off x="4580579" y="116810"/>
-            <a:ext cx="1380172" cy="1859250"/>
+            <a:off x="4580579" y="97372"/>
+            <a:ext cx="1380172" cy="1549823"/>
           </a:xfrm>
         </p:spPr>
         <p:txBody>
@@ -526,8 +532,8 @@
         </p:nvSpPr>
         <p:spPr>
           <a:xfrm>
-            <a:off x="440061" y="116810"/>
-            <a:ext cx="4060508" cy="1859250"/>
+            <a:off x="440061" y="97372"/>
+            <a:ext cx="4060508" cy="1549823"/>
           </a:xfrm>
         </p:spPr>
         <p:txBody>
@@ -848,15 +854,15 @@
         </p:nvSpPr>
         <p:spPr>
           <a:xfrm>
-            <a:off x="436728" y="546960"/>
-            <a:ext cx="5520690" cy="912612"/>
+            <a:off x="436728" y="455932"/>
+            <a:ext cx="5520690" cy="760730"/>
           </a:xfrm>
         </p:spPr>
         <p:txBody>
           <a:bodyPr anchor="b"/>
           <a:lstStyle>
             <a:lvl1pPr>
-              <a:defRPr sz="6479"/>
+              <a:defRPr sz="6480"/>
             </a:lvl1pPr>
           </a:lstStyle>
           <a:p>
@@ -880,8 +886,8 @@
         </p:nvSpPr>
         <p:spPr>
           <a:xfrm>
-            <a:off x="436728" y="1468207"/>
-            <a:ext cx="5520690" cy="479922"/>
+            <a:off x="436728" y="1223860"/>
+            <a:ext cx="5520690" cy="400050"/>
           </a:xfrm>
         </p:spPr>
         <p:txBody>
@@ -889,15 +895,15 @@
           <a:lstStyle>
             <a:lvl1pPr marL="0" indent="0">
               <a:buNone/>
-              <a:defRPr sz="2592">
+              <a:defRPr sz="2593">
                 <a:solidFill>
                   <a:schemeClr val="tx1"/>
                 </a:solidFill>
               </a:defRPr>
             </a:lvl1pPr>
-            <a:lvl2pPr marL="493691" indent="0">
-              <a:buNone/>
-              <a:defRPr sz="2160">
+            <a:lvl2pPr marL="493726" indent="0">
+              <a:buNone/>
+              <a:defRPr sz="2161">
                 <a:solidFill>
                   <a:schemeClr val="tx1">
                     <a:tint val="75000"/>
@@ -905,9 +911,9 @@
                 </a:solidFill>
               </a:defRPr>
             </a:lvl2pPr>
-            <a:lvl3pPr marL="987383" indent="0">
-              <a:buNone/>
-              <a:defRPr sz="1944">
+            <a:lvl3pPr marL="987451" indent="0">
+              <a:buNone/>
+              <a:defRPr sz="1945">
                 <a:solidFill>
                   <a:schemeClr val="tx1">
                     <a:tint val="75000"/>
@@ -915,7 +921,7 @@
                 </a:solidFill>
               </a:defRPr>
             </a:lvl3pPr>
-            <a:lvl4pPr marL="1481074" indent="0">
+            <a:lvl4pPr marL="1481177" indent="0">
               <a:buNone/>
               <a:defRPr sz="1728">
                 <a:solidFill>
@@ -925,7 +931,7 @@
                 </a:solidFill>
               </a:defRPr>
             </a:lvl4pPr>
-            <a:lvl5pPr marL="1974765" indent="0">
+            <a:lvl5pPr marL="1974903" indent="0">
               <a:buNone/>
               <a:defRPr sz="1728">
                 <a:solidFill>
@@ -935,7 +941,7 @@
                 </a:solidFill>
               </a:defRPr>
             </a:lvl5pPr>
-            <a:lvl6pPr marL="2468455" indent="0">
+            <a:lvl6pPr marL="2468627" indent="0">
               <a:buNone/>
               <a:defRPr sz="1728">
                 <a:solidFill>
@@ -945,7 +951,7 @@
                 </a:solidFill>
               </a:defRPr>
             </a:lvl6pPr>
-            <a:lvl7pPr marL="2962148" indent="0">
+            <a:lvl7pPr marL="2962356" indent="0">
               <a:buNone/>
               <a:defRPr sz="1728">
                 <a:solidFill>
@@ -955,7 +961,7 @@
                 </a:solidFill>
               </a:defRPr>
             </a:lvl7pPr>
-            <a:lvl8pPr marL="3455838" indent="0">
+            <a:lvl8pPr marL="3456080" indent="0">
               <a:buNone/>
               <a:defRPr sz="1728">
                 <a:solidFill>
@@ -965,7 +971,7 @@
                 </a:solidFill>
               </a:defRPr>
             </a:lvl8pPr>
-            <a:lvl9pPr marL="3949529" indent="0">
+            <a:lvl9pPr marL="3949805" indent="0">
               <a:buNone/>
               <a:defRPr sz="1728">
                 <a:solidFill>
@@ -1115,8 +1121,8 @@
         </p:nvSpPr>
         <p:spPr>
           <a:xfrm>
-            <a:off x="440056" y="584039"/>
-            <a:ext cx="2720340" cy="1392025"/>
+            <a:off x="440056" y="486842"/>
+            <a:ext cx="2720340" cy="1160357"/>
           </a:xfrm>
         </p:spPr>
         <p:txBody>
@@ -1172,8 +1178,8 @@
         </p:nvSpPr>
         <p:spPr>
           <a:xfrm>
-            <a:off x="3240406" y="584039"/>
-            <a:ext cx="2720340" cy="1392025"/>
+            <a:off x="3240406" y="486842"/>
+            <a:ext cx="2720340" cy="1160357"/>
           </a:xfrm>
         </p:spPr>
         <p:txBody>
@@ -1324,8 +1330,8 @@
         </p:nvSpPr>
         <p:spPr>
           <a:xfrm>
-            <a:off x="440892" y="116816"/>
-            <a:ext cx="5520690" cy="424057"/>
+            <a:off x="440892" y="97377"/>
+            <a:ext cx="5520690" cy="353483"/>
           </a:xfrm>
         </p:spPr>
         <p:txBody>
@@ -1352,8 +1358,8 @@
         </p:nvSpPr>
         <p:spPr>
           <a:xfrm>
-            <a:off x="440891" y="537819"/>
-            <a:ext cx="2707838" cy="263576"/>
+            <a:off x="440891" y="448313"/>
+            <a:ext cx="2707838" cy="219710"/>
           </a:xfrm>
         </p:spPr>
         <p:txBody>
@@ -1361,37 +1367,37 @@
           <a:lstStyle>
             <a:lvl1pPr marL="0" indent="0">
               <a:buNone/>
-              <a:defRPr sz="2592" b="1"/>
+              <a:defRPr sz="2593" b="1"/>
             </a:lvl1pPr>
-            <a:lvl2pPr marL="493691" indent="0">
-              <a:buNone/>
-              <a:defRPr sz="2160" b="1"/>
+            <a:lvl2pPr marL="493726" indent="0">
+              <a:buNone/>
+              <a:defRPr sz="2161" b="1"/>
             </a:lvl2pPr>
-            <a:lvl3pPr marL="987383" indent="0">
-              <a:buNone/>
-              <a:defRPr sz="1944" b="1"/>
+            <a:lvl3pPr marL="987451" indent="0">
+              <a:buNone/>
+              <a:defRPr sz="1945" b="1"/>
             </a:lvl3pPr>
-            <a:lvl4pPr marL="1481074" indent="0">
+            <a:lvl4pPr marL="1481177" indent="0">
               <a:buNone/>
               <a:defRPr sz="1728" b="1"/>
             </a:lvl4pPr>
-            <a:lvl5pPr marL="1974765" indent="0">
+            <a:lvl5pPr marL="1974903" indent="0">
               <a:buNone/>
               <a:defRPr sz="1728" b="1"/>
             </a:lvl5pPr>
-            <a:lvl6pPr marL="2468455" indent="0">
+            <a:lvl6pPr marL="2468627" indent="0">
               <a:buNone/>
               <a:defRPr sz="1728" b="1"/>
             </a:lvl6pPr>
-            <a:lvl7pPr marL="2962148" indent="0">
+            <a:lvl7pPr marL="2962356" indent="0">
               <a:buNone/>
               <a:defRPr sz="1728" b="1"/>
             </a:lvl7pPr>
-            <a:lvl8pPr marL="3455838" indent="0">
+            <a:lvl8pPr marL="3456080" indent="0">
               <a:buNone/>
               <a:defRPr sz="1728" b="1"/>
             </a:lvl8pPr>
-            <a:lvl9pPr marL="3949529" indent="0">
+            <a:lvl9pPr marL="3949805" indent="0">
               <a:buNone/>
               <a:defRPr sz="1728" b="1"/>
             </a:lvl9pPr>
@@ -1417,8 +1423,8 @@
         </p:nvSpPr>
         <p:spPr>
           <a:xfrm>
-            <a:off x="440891" y="801394"/>
-            <a:ext cx="2707838" cy="1178727"/>
+            <a:off x="440891" y="668024"/>
+            <a:ext cx="2707838" cy="982557"/>
           </a:xfrm>
         </p:spPr>
         <p:txBody>
@@ -1474,8 +1480,8 @@
         </p:nvSpPr>
         <p:spPr>
           <a:xfrm>
-            <a:off x="3240411" y="537819"/>
-            <a:ext cx="2721174" cy="263576"/>
+            <a:off x="3240411" y="448313"/>
+            <a:ext cx="2721174" cy="219710"/>
           </a:xfrm>
         </p:spPr>
         <p:txBody>
@@ -1483,37 +1489,37 @@
           <a:lstStyle>
             <a:lvl1pPr marL="0" indent="0">
               <a:buNone/>
-              <a:defRPr sz="2592" b="1"/>
+              <a:defRPr sz="2593" b="1"/>
             </a:lvl1pPr>
-            <a:lvl2pPr marL="493691" indent="0">
-              <a:buNone/>
-              <a:defRPr sz="2160" b="1"/>
+            <a:lvl2pPr marL="493726" indent="0">
+              <a:buNone/>
+              <a:defRPr sz="2161" b="1"/>
             </a:lvl2pPr>
-            <a:lvl3pPr marL="987383" indent="0">
-              <a:buNone/>
-              <a:defRPr sz="1944" b="1"/>
+            <a:lvl3pPr marL="987451" indent="0">
+              <a:buNone/>
+              <a:defRPr sz="1945" b="1"/>
             </a:lvl3pPr>
-            <a:lvl4pPr marL="1481074" indent="0">
+            <a:lvl4pPr marL="1481177" indent="0">
               <a:buNone/>
               <a:defRPr sz="1728" b="1"/>
             </a:lvl4pPr>
-            <a:lvl5pPr marL="1974765" indent="0">
+            <a:lvl5pPr marL="1974903" indent="0">
               <a:buNone/>
               <a:defRPr sz="1728" b="1"/>
             </a:lvl5pPr>
-            <a:lvl6pPr marL="2468455" indent="0">
+            <a:lvl6pPr marL="2468627" indent="0">
               <a:buNone/>
               <a:defRPr sz="1728" b="1"/>
             </a:lvl6pPr>
-            <a:lvl7pPr marL="2962148" indent="0">
+            <a:lvl7pPr marL="2962356" indent="0">
               <a:buNone/>
               <a:defRPr sz="1728" b="1"/>
             </a:lvl7pPr>
-            <a:lvl8pPr marL="3455838" indent="0">
+            <a:lvl8pPr marL="3456080" indent="0">
               <a:buNone/>
               <a:defRPr sz="1728" b="1"/>
             </a:lvl8pPr>
-            <a:lvl9pPr marL="3949529" indent="0">
+            <a:lvl9pPr marL="3949805" indent="0">
               <a:buNone/>
               <a:defRPr sz="1728" b="1"/>
             </a:lvl9pPr>
@@ -1539,8 +1545,8 @@
         </p:nvSpPr>
         <p:spPr>
           <a:xfrm>
-            <a:off x="3240411" y="801394"/>
-            <a:ext cx="2721174" cy="1178727"/>
+            <a:off x="3240411" y="668024"/>
+            <a:ext cx="2721174" cy="982557"/>
           </a:xfrm>
         </p:spPr>
         <p:txBody>
@@ -1904,8 +1910,8 @@
         </p:nvSpPr>
         <p:spPr>
           <a:xfrm>
-            <a:off x="440893" y="146262"/>
-            <a:ext cx="2064425" cy="511916"/>
+            <a:off x="440898" y="121920"/>
+            <a:ext cx="2064425" cy="426720"/>
           </a:xfrm>
         </p:spPr>
         <p:txBody>
@@ -1936,8 +1942,8 @@
         </p:nvSpPr>
         <p:spPr>
           <a:xfrm>
-            <a:off x="2721175" y="315891"/>
-            <a:ext cx="3240406" cy="1559109"/>
+            <a:off x="2721175" y="263319"/>
+            <a:ext cx="3240406" cy="1299634"/>
           </a:xfrm>
         </p:spPr>
         <p:txBody>
@@ -1950,25 +1956,25 @@
               <a:defRPr sz="3024"/>
             </a:lvl2pPr>
             <a:lvl3pPr>
-              <a:defRPr sz="2592"/>
+              <a:defRPr sz="2593"/>
             </a:lvl3pPr>
             <a:lvl4pPr>
-              <a:defRPr sz="2160"/>
+              <a:defRPr sz="2161"/>
             </a:lvl4pPr>
             <a:lvl5pPr>
-              <a:defRPr sz="2160"/>
+              <a:defRPr sz="2161"/>
             </a:lvl5pPr>
             <a:lvl6pPr>
-              <a:defRPr sz="2160"/>
+              <a:defRPr sz="2161"/>
             </a:lvl6pPr>
             <a:lvl7pPr>
-              <a:defRPr sz="2160"/>
+              <a:defRPr sz="2161"/>
             </a:lvl7pPr>
             <a:lvl8pPr>
-              <a:defRPr sz="2160"/>
+              <a:defRPr sz="2161"/>
             </a:lvl8pPr>
             <a:lvl9pPr>
-              <a:defRPr sz="2160"/>
+              <a:defRPr sz="2161"/>
             </a:lvl9pPr>
           </a:lstStyle>
           <a:p>
@@ -2021,8 +2027,8 @@
         </p:nvSpPr>
         <p:spPr>
           <a:xfrm>
-            <a:off x="440893" y="658187"/>
-            <a:ext cx="2064425" cy="1219355"/>
+            <a:off x="440898" y="548650"/>
+            <a:ext cx="2064425" cy="1016423"/>
           </a:xfrm>
         </p:spPr>
         <p:txBody>
@@ -2032,35 +2038,35 @@
               <a:buNone/>
               <a:defRPr sz="1728"/>
             </a:lvl1pPr>
-            <a:lvl2pPr marL="493691" indent="0">
+            <a:lvl2pPr marL="493726" indent="0">
               <a:buNone/>
               <a:defRPr sz="1512"/>
             </a:lvl2pPr>
-            <a:lvl3pPr marL="987383" indent="0">
+            <a:lvl3pPr marL="987451" indent="0">
               <a:buNone/>
               <a:defRPr sz="1296"/>
             </a:lvl3pPr>
-            <a:lvl4pPr marL="1481074" indent="0">
+            <a:lvl4pPr marL="1481177" indent="0">
               <a:buNone/>
               <a:defRPr sz="1080"/>
             </a:lvl4pPr>
-            <a:lvl5pPr marL="1974765" indent="0">
+            <a:lvl5pPr marL="1974903" indent="0">
               <a:buNone/>
               <a:defRPr sz="1080"/>
             </a:lvl5pPr>
-            <a:lvl6pPr marL="2468455" indent="0">
+            <a:lvl6pPr marL="2468627" indent="0">
               <a:buNone/>
               <a:defRPr sz="1080"/>
             </a:lvl6pPr>
-            <a:lvl7pPr marL="2962148" indent="0">
+            <a:lvl7pPr marL="2962356" indent="0">
               <a:buNone/>
               <a:defRPr sz="1080"/>
             </a:lvl7pPr>
-            <a:lvl8pPr marL="3455838" indent="0">
+            <a:lvl8pPr marL="3456080" indent="0">
               <a:buNone/>
               <a:defRPr sz="1080"/>
             </a:lvl8pPr>
-            <a:lvl9pPr marL="3949529" indent="0">
+            <a:lvl9pPr marL="3949805" indent="0">
               <a:buNone/>
               <a:defRPr sz="1080"/>
             </a:lvl9pPr>
@@ -2181,8 +2187,8 @@
         </p:nvSpPr>
         <p:spPr>
           <a:xfrm>
-            <a:off x="440893" y="146262"/>
-            <a:ext cx="2064425" cy="511916"/>
+            <a:off x="440898" y="121920"/>
+            <a:ext cx="2064425" cy="426720"/>
           </a:xfrm>
         </p:spPr>
         <p:txBody>
@@ -2213,8 +2219,8 @@
         </p:nvSpPr>
         <p:spPr>
           <a:xfrm>
-            <a:off x="2721175" y="315891"/>
-            <a:ext cx="3240406" cy="1559109"/>
+            <a:off x="2721175" y="263319"/>
+            <a:ext cx="3240406" cy="1299634"/>
           </a:xfrm>
         </p:spPr>
         <p:txBody>
@@ -2224,37 +2230,37 @@
               <a:buNone/>
               <a:defRPr sz="3456"/>
             </a:lvl1pPr>
-            <a:lvl2pPr marL="493691" indent="0">
+            <a:lvl2pPr marL="493726" indent="0">
               <a:buNone/>
               <a:defRPr sz="3024"/>
             </a:lvl2pPr>
-            <a:lvl3pPr marL="987383" indent="0">
-              <a:buNone/>
-              <a:defRPr sz="2592"/>
+            <a:lvl3pPr marL="987451" indent="0">
+              <a:buNone/>
+              <a:defRPr sz="2593"/>
             </a:lvl3pPr>
-            <a:lvl4pPr marL="1481074" indent="0">
-              <a:buNone/>
-              <a:defRPr sz="2160"/>
+            <a:lvl4pPr marL="1481177" indent="0">
+              <a:buNone/>
+              <a:defRPr sz="2161"/>
             </a:lvl4pPr>
-            <a:lvl5pPr marL="1974765" indent="0">
-              <a:buNone/>
-              <a:defRPr sz="2160"/>
+            <a:lvl5pPr marL="1974903" indent="0">
+              <a:buNone/>
+              <a:defRPr sz="2161"/>
             </a:lvl5pPr>
-            <a:lvl6pPr marL="2468455" indent="0">
-              <a:buNone/>
-              <a:defRPr sz="2160"/>
+            <a:lvl6pPr marL="2468627" indent="0">
+              <a:buNone/>
+              <a:defRPr sz="2161"/>
             </a:lvl6pPr>
-            <a:lvl7pPr marL="2962148" indent="0">
-              <a:buNone/>
-              <a:defRPr sz="2160"/>
+            <a:lvl7pPr marL="2962356" indent="0">
+              <a:buNone/>
+              <a:defRPr sz="2161"/>
             </a:lvl7pPr>
-            <a:lvl8pPr marL="3455838" indent="0">
-              <a:buNone/>
-              <a:defRPr sz="2160"/>
+            <a:lvl8pPr marL="3456080" indent="0">
+              <a:buNone/>
+              <a:defRPr sz="2161"/>
             </a:lvl8pPr>
-            <a:lvl9pPr marL="3949529" indent="0">
-              <a:buNone/>
-              <a:defRPr sz="2160"/>
+            <a:lvl9pPr marL="3949805" indent="0">
+              <a:buNone/>
+              <a:defRPr sz="2161"/>
             </a:lvl9pPr>
           </a:lstStyle>
           <a:p>
@@ -2278,8 +2284,8 @@
         </p:nvSpPr>
         <p:spPr>
           <a:xfrm>
-            <a:off x="440893" y="658187"/>
-            <a:ext cx="2064425" cy="1219355"/>
+            <a:off x="440898" y="548650"/>
+            <a:ext cx="2064425" cy="1016423"/>
           </a:xfrm>
         </p:spPr>
         <p:txBody>
@@ -2289,35 +2295,35 @@
               <a:buNone/>
               <a:defRPr sz="1728"/>
             </a:lvl1pPr>
-            <a:lvl2pPr marL="493691" indent="0">
+            <a:lvl2pPr marL="493726" indent="0">
               <a:buNone/>
               <a:defRPr sz="1512"/>
             </a:lvl2pPr>
-            <a:lvl3pPr marL="987383" indent="0">
+            <a:lvl3pPr marL="987451" indent="0">
               <a:buNone/>
               <a:defRPr sz="1296"/>
             </a:lvl3pPr>
-            <a:lvl4pPr marL="1481074" indent="0">
+            <a:lvl4pPr marL="1481177" indent="0">
               <a:buNone/>
               <a:defRPr sz="1080"/>
             </a:lvl4pPr>
-            <a:lvl5pPr marL="1974765" indent="0">
+            <a:lvl5pPr marL="1974903" indent="0">
               <a:buNone/>
               <a:defRPr sz="1080"/>
             </a:lvl5pPr>
-            <a:lvl6pPr marL="2468455" indent="0">
+            <a:lvl6pPr marL="2468627" indent="0">
               <a:buNone/>
               <a:defRPr sz="1080"/>
             </a:lvl6pPr>
-            <a:lvl7pPr marL="2962148" indent="0">
+            <a:lvl7pPr marL="2962356" indent="0">
               <a:buNone/>
               <a:defRPr sz="1080"/>
             </a:lvl7pPr>
-            <a:lvl8pPr marL="3455838" indent="0">
+            <a:lvl8pPr marL="3456080" indent="0">
               <a:buNone/>
               <a:defRPr sz="1080"/>
             </a:lvl8pPr>
-            <a:lvl9pPr marL="3949529" indent="0">
+            <a:lvl9pPr marL="3949805" indent="0">
               <a:buNone/>
               <a:defRPr sz="1080"/>
             </a:lvl9pPr>
@@ -2443,8 +2449,8 @@
         </p:nvSpPr>
         <p:spPr>
           <a:xfrm>
-            <a:off x="440060" y="116816"/>
-            <a:ext cx="5520690" cy="424057"/>
+            <a:off x="440060" y="97377"/>
+            <a:ext cx="5520690" cy="353483"/>
           </a:xfrm>
           <a:prstGeom prst="rect">
             <a:avLst/>
@@ -2476,8 +2482,8 @@
         </p:nvSpPr>
         <p:spPr>
           <a:xfrm>
-            <a:off x="440060" y="584039"/>
-            <a:ext cx="5520690" cy="1392025"/>
+            <a:off x="440060" y="486842"/>
+            <a:ext cx="5520690" cy="1160357"/>
           </a:xfrm>
           <a:prstGeom prst="rect">
             <a:avLst/>
@@ -2538,8 +2544,8 @@
         </p:nvSpPr>
         <p:spPr>
           <a:xfrm>
-            <a:off x="440056" y="2033445"/>
-            <a:ext cx="1440180" cy="116806"/>
+            <a:off x="440056" y="1695029"/>
+            <a:ext cx="1440180" cy="97367"/>
           </a:xfrm>
           <a:prstGeom prst="rect">
             <a:avLst/>
@@ -2579,8 +2585,8 @@
         </p:nvSpPr>
         <p:spPr>
           <a:xfrm>
-            <a:off x="2120270" y="2033445"/>
-            <a:ext cx="2160270" cy="116806"/>
+            <a:off x="2120270" y="1695029"/>
+            <a:ext cx="2160270" cy="97367"/>
           </a:xfrm>
           <a:prstGeom prst="rect">
             <a:avLst/>
@@ -2616,8 +2622,8 @@
         </p:nvSpPr>
         <p:spPr>
           <a:xfrm>
-            <a:off x="4520564" y="2033445"/>
-            <a:ext cx="1440180" cy="116806"/>
+            <a:off x="4520564" y="1695029"/>
+            <a:ext cx="1440180" cy="97367"/>
           </a:xfrm>
           <a:prstGeom prst="rect">
             <a:avLst/>
@@ -2668,7 +2674,7 @@
   </p:sldLayoutIdLst>
   <p:txStyles>
     <p:titleStyle>
-      <a:lvl1pPr algn="l" defTabSz="987383" rtl="0" eaLnBrk="1" latinLnBrk="0" hangingPunct="1">
+      <a:lvl1pPr algn="l" defTabSz="987451" rtl="0" eaLnBrk="1" latinLnBrk="0" hangingPunct="1">
         <a:lnSpc>
           <a:spcPct val="90000"/>
         </a:lnSpc>
@@ -2687,7 +2693,7 @@
       </a:lvl1pPr>
     </p:titleStyle>
     <p:bodyStyle>
-      <a:lvl1pPr marL="246845" indent="-246845" algn="l" defTabSz="987383" rtl="0" eaLnBrk="1" latinLnBrk="0" hangingPunct="1">
+      <a:lvl1pPr marL="246862" indent="-246862" algn="l" defTabSz="987451" rtl="0" eaLnBrk="1" latinLnBrk="0" hangingPunct="1">
         <a:lnSpc>
           <a:spcPct val="90000"/>
         </a:lnSpc>
@@ -2705,7 +2711,7 @@
           <a:cs typeface="+mn-cs"/>
         </a:defRPr>
       </a:lvl1pPr>
-      <a:lvl2pPr marL="740536" indent="-246845" algn="l" defTabSz="987383" rtl="0" eaLnBrk="1" latinLnBrk="0" hangingPunct="1">
+      <a:lvl2pPr marL="740588" indent="-246862" algn="l" defTabSz="987451" rtl="0" eaLnBrk="1" latinLnBrk="0" hangingPunct="1">
         <a:lnSpc>
           <a:spcPct val="90000"/>
         </a:lnSpc>
@@ -2714,7 +2720,7 @@
         </a:spcBef>
         <a:buFont typeface="Arial" panose="020B0604020202020204" pitchFamily="34" charset="0"/>
         <a:buChar char="•"/>
-        <a:defRPr sz="2592" kern="1200">
+        <a:defRPr sz="2593" kern="1200">
           <a:solidFill>
             <a:schemeClr val="tx1"/>
           </a:solidFill>
@@ -2723,7 +2729,7 @@
           <a:cs typeface="+mn-cs"/>
         </a:defRPr>
       </a:lvl2pPr>
-      <a:lvl3pPr marL="1234228" indent="-246845" algn="l" defTabSz="987383" rtl="0" eaLnBrk="1" latinLnBrk="0" hangingPunct="1">
+      <a:lvl3pPr marL="1234314" indent="-246862" algn="l" defTabSz="987451" rtl="0" eaLnBrk="1" latinLnBrk="0" hangingPunct="1">
         <a:lnSpc>
           <a:spcPct val="90000"/>
         </a:lnSpc>
@@ -2732,7 +2738,7 @@
         </a:spcBef>
         <a:buFont typeface="Arial" panose="020B0604020202020204" pitchFamily="34" charset="0"/>
         <a:buChar char="•"/>
-        <a:defRPr sz="2160" kern="1200">
+        <a:defRPr sz="2161" kern="1200">
           <a:solidFill>
             <a:schemeClr val="tx1"/>
           </a:solidFill>
@@ -2741,7 +2747,7 @@
           <a:cs typeface="+mn-cs"/>
         </a:defRPr>
       </a:lvl3pPr>
-      <a:lvl4pPr marL="1727919" indent="-246845" algn="l" defTabSz="987383" rtl="0" eaLnBrk="1" latinLnBrk="0" hangingPunct="1">
+      <a:lvl4pPr marL="1728039" indent="-246862" algn="l" defTabSz="987451" rtl="0" eaLnBrk="1" latinLnBrk="0" hangingPunct="1">
         <a:lnSpc>
           <a:spcPct val="90000"/>
         </a:lnSpc>
@@ -2750,7 +2756,7 @@
         </a:spcBef>
         <a:buFont typeface="Arial" panose="020B0604020202020204" pitchFamily="34" charset="0"/>
         <a:buChar char="•"/>
-        <a:defRPr sz="1944" kern="1200">
+        <a:defRPr sz="1945" kern="1200">
           <a:solidFill>
             <a:schemeClr val="tx1"/>
           </a:solidFill>
@@ -2759,7 +2765,7 @@
           <a:cs typeface="+mn-cs"/>
         </a:defRPr>
       </a:lvl4pPr>
-      <a:lvl5pPr marL="2221610" indent="-246845" algn="l" defTabSz="987383" rtl="0" eaLnBrk="1" latinLnBrk="0" hangingPunct="1">
+      <a:lvl5pPr marL="2221765" indent="-246862" algn="l" defTabSz="987451" rtl="0" eaLnBrk="1" latinLnBrk="0" hangingPunct="1">
         <a:lnSpc>
           <a:spcPct val="90000"/>
         </a:lnSpc>
@@ -2768,7 +2774,7 @@
         </a:spcBef>
         <a:buFont typeface="Arial" panose="020B0604020202020204" pitchFamily="34" charset="0"/>
         <a:buChar char="•"/>
-        <a:defRPr sz="1944" kern="1200">
+        <a:defRPr sz="1945" kern="1200">
           <a:solidFill>
             <a:schemeClr val="tx1"/>
           </a:solidFill>
@@ -2777,7 +2783,7 @@
           <a:cs typeface="+mn-cs"/>
         </a:defRPr>
       </a:lvl5pPr>
-      <a:lvl6pPr marL="2715301" indent="-246845" algn="l" defTabSz="987383" rtl="0" eaLnBrk="1" latinLnBrk="0" hangingPunct="1">
+      <a:lvl6pPr marL="2715491" indent="-246862" algn="l" defTabSz="987451" rtl="0" eaLnBrk="1" latinLnBrk="0" hangingPunct="1">
         <a:lnSpc>
           <a:spcPct val="90000"/>
         </a:lnSpc>
@@ -2786,7 +2792,7 @@
         </a:spcBef>
         <a:buFont typeface="Arial" panose="020B0604020202020204" pitchFamily="34" charset="0"/>
         <a:buChar char="•"/>
-        <a:defRPr sz="1944" kern="1200">
+        <a:defRPr sz="1945" kern="1200">
           <a:solidFill>
             <a:schemeClr val="tx1"/>
           </a:solidFill>
@@ -2795,7 +2801,7 @@
           <a:cs typeface="+mn-cs"/>
         </a:defRPr>
       </a:lvl6pPr>
-      <a:lvl7pPr marL="3208993" indent="-246845" algn="l" defTabSz="987383" rtl="0" eaLnBrk="1" latinLnBrk="0" hangingPunct="1">
+      <a:lvl7pPr marL="3209218" indent="-246862" algn="l" defTabSz="987451" rtl="0" eaLnBrk="1" latinLnBrk="0" hangingPunct="1">
         <a:lnSpc>
           <a:spcPct val="90000"/>
         </a:lnSpc>
@@ -2804,7 +2810,7 @@
         </a:spcBef>
         <a:buFont typeface="Arial" panose="020B0604020202020204" pitchFamily="34" charset="0"/>
         <a:buChar char="•"/>
-        <a:defRPr sz="1944" kern="1200">
+        <a:defRPr sz="1945" kern="1200">
           <a:solidFill>
             <a:schemeClr val="tx1"/>
           </a:solidFill>
@@ -2813,7 +2819,7 @@
           <a:cs typeface="+mn-cs"/>
         </a:defRPr>
       </a:lvl7pPr>
-      <a:lvl8pPr marL="3702684" indent="-246845" algn="l" defTabSz="987383" rtl="0" eaLnBrk="1" latinLnBrk="0" hangingPunct="1">
+      <a:lvl8pPr marL="3702942" indent="-246862" algn="l" defTabSz="987451" rtl="0" eaLnBrk="1" latinLnBrk="0" hangingPunct="1">
         <a:lnSpc>
           <a:spcPct val="90000"/>
         </a:lnSpc>
@@ -2822,7 +2828,7 @@
         </a:spcBef>
         <a:buFont typeface="Arial" panose="020B0604020202020204" pitchFamily="34" charset="0"/>
         <a:buChar char="•"/>
-        <a:defRPr sz="1944" kern="1200">
+        <a:defRPr sz="1945" kern="1200">
           <a:solidFill>
             <a:schemeClr val="tx1"/>
           </a:solidFill>
@@ -2831,7 +2837,7 @@
           <a:cs typeface="+mn-cs"/>
         </a:defRPr>
       </a:lvl8pPr>
-      <a:lvl9pPr marL="4196375" indent="-246845" algn="l" defTabSz="987383" rtl="0" eaLnBrk="1" latinLnBrk="0" hangingPunct="1">
+      <a:lvl9pPr marL="4196668" indent="-246862" algn="l" defTabSz="987451" rtl="0" eaLnBrk="1" latinLnBrk="0" hangingPunct="1">
         <a:lnSpc>
           <a:spcPct val="90000"/>
         </a:lnSpc>
@@ -2840,7 +2846,7 @@
         </a:spcBef>
         <a:buFont typeface="Arial" panose="020B0604020202020204" pitchFamily="34" charset="0"/>
         <a:buChar char="•"/>
-        <a:defRPr sz="1944" kern="1200">
+        <a:defRPr sz="1945" kern="1200">
           <a:solidFill>
             <a:schemeClr val="tx1"/>
           </a:solidFill>
@@ -2854,8 +2860,8 @@
       <a:defPPr>
         <a:defRPr lang="en-US"/>
       </a:defPPr>
-      <a:lvl1pPr marL="0" algn="l" defTabSz="987383" rtl="0" eaLnBrk="1" latinLnBrk="0" hangingPunct="1">
-        <a:defRPr sz="1944" kern="1200">
+      <a:lvl1pPr marL="0" algn="l" defTabSz="987451" rtl="0" eaLnBrk="1" latinLnBrk="0" hangingPunct="1">
+        <a:defRPr sz="1945" kern="1200">
           <a:solidFill>
             <a:schemeClr val="tx1"/>
           </a:solidFill>
@@ -2864,8 +2870,8 @@
           <a:cs typeface="+mn-cs"/>
         </a:defRPr>
       </a:lvl1pPr>
-      <a:lvl2pPr marL="493691" algn="l" defTabSz="987383" rtl="0" eaLnBrk="1" latinLnBrk="0" hangingPunct="1">
-        <a:defRPr sz="1944" kern="1200">
+      <a:lvl2pPr marL="493726" algn="l" defTabSz="987451" rtl="0" eaLnBrk="1" latinLnBrk="0" hangingPunct="1">
+        <a:defRPr sz="1945" kern="1200">
           <a:solidFill>
             <a:schemeClr val="tx1"/>
           </a:solidFill>
@@ -2874,8 +2880,8 @@
           <a:cs typeface="+mn-cs"/>
         </a:defRPr>
       </a:lvl2pPr>
-      <a:lvl3pPr marL="987383" algn="l" defTabSz="987383" rtl="0" eaLnBrk="1" latinLnBrk="0" hangingPunct="1">
-        <a:defRPr sz="1944" kern="1200">
+      <a:lvl3pPr marL="987451" algn="l" defTabSz="987451" rtl="0" eaLnBrk="1" latinLnBrk="0" hangingPunct="1">
+        <a:defRPr sz="1945" kern="1200">
           <a:solidFill>
             <a:schemeClr val="tx1"/>
           </a:solidFill>
@@ -2884,8 +2890,8 @@
           <a:cs typeface="+mn-cs"/>
         </a:defRPr>
       </a:lvl3pPr>
-      <a:lvl4pPr marL="1481074" algn="l" defTabSz="987383" rtl="0" eaLnBrk="1" latinLnBrk="0" hangingPunct="1">
-        <a:defRPr sz="1944" kern="1200">
+      <a:lvl4pPr marL="1481177" algn="l" defTabSz="987451" rtl="0" eaLnBrk="1" latinLnBrk="0" hangingPunct="1">
+        <a:defRPr sz="1945" kern="1200">
           <a:solidFill>
             <a:schemeClr val="tx1"/>
           </a:solidFill>
@@ -2894,8 +2900,8 @@
           <a:cs typeface="+mn-cs"/>
         </a:defRPr>
       </a:lvl4pPr>
-      <a:lvl5pPr marL="1974765" algn="l" defTabSz="987383" rtl="0" eaLnBrk="1" latinLnBrk="0" hangingPunct="1">
-        <a:defRPr sz="1944" kern="1200">
+      <a:lvl5pPr marL="1974903" algn="l" defTabSz="987451" rtl="0" eaLnBrk="1" latinLnBrk="0" hangingPunct="1">
+        <a:defRPr sz="1945" kern="1200">
           <a:solidFill>
             <a:schemeClr val="tx1"/>
           </a:solidFill>
@@ -2904,8 +2910,8 @@
           <a:cs typeface="+mn-cs"/>
         </a:defRPr>
       </a:lvl5pPr>
-      <a:lvl6pPr marL="2468455" algn="l" defTabSz="987383" rtl="0" eaLnBrk="1" latinLnBrk="0" hangingPunct="1">
-        <a:defRPr sz="1944" kern="1200">
+      <a:lvl6pPr marL="2468627" algn="l" defTabSz="987451" rtl="0" eaLnBrk="1" latinLnBrk="0" hangingPunct="1">
+        <a:defRPr sz="1945" kern="1200">
           <a:solidFill>
             <a:schemeClr val="tx1"/>
           </a:solidFill>
@@ -2914,8 +2920,8 @@
           <a:cs typeface="+mn-cs"/>
         </a:defRPr>
       </a:lvl6pPr>
-      <a:lvl7pPr marL="2962148" algn="l" defTabSz="987383" rtl="0" eaLnBrk="1" latinLnBrk="0" hangingPunct="1">
-        <a:defRPr sz="1944" kern="1200">
+      <a:lvl7pPr marL="2962356" algn="l" defTabSz="987451" rtl="0" eaLnBrk="1" latinLnBrk="0" hangingPunct="1">
+        <a:defRPr sz="1945" kern="1200">
           <a:solidFill>
             <a:schemeClr val="tx1"/>
           </a:solidFill>
@@ -2924,8 +2930,8 @@
           <a:cs typeface="+mn-cs"/>
         </a:defRPr>
       </a:lvl7pPr>
-      <a:lvl8pPr marL="3455838" algn="l" defTabSz="987383" rtl="0" eaLnBrk="1" latinLnBrk="0" hangingPunct="1">
-        <a:defRPr sz="1944" kern="1200">
+      <a:lvl8pPr marL="3456080" algn="l" defTabSz="987451" rtl="0" eaLnBrk="1" latinLnBrk="0" hangingPunct="1">
+        <a:defRPr sz="1945" kern="1200">
           <a:solidFill>
             <a:schemeClr val="tx1"/>
           </a:solidFill>
@@ -2934,8 +2940,8 @@
           <a:cs typeface="+mn-cs"/>
         </a:defRPr>
       </a:lvl8pPr>
-      <a:lvl9pPr marL="3949529" algn="l" defTabSz="987383" rtl="0" eaLnBrk="1" latinLnBrk="0" hangingPunct="1">
-        <a:defRPr sz="1944" kern="1200">
+      <a:lvl9pPr marL="3949805" algn="l" defTabSz="987451" rtl="0" eaLnBrk="1" latinLnBrk="0" hangingPunct="1">
+        <a:defRPr sz="1945" kern="1200">
           <a:solidFill>
             <a:schemeClr val="tx1"/>
           </a:solidFill>
@@ -2974,10 +2980,10 @@
         </p:nvGrpSpPr>
         <p:grpSpPr>
           <a:xfrm>
-            <a:off x="-412413" y="0"/>
-            <a:ext cx="6746093" cy="2085286"/>
-            <a:chOff x="1452193" y="1066506"/>
-            <a:chExt cx="6247188" cy="1931069"/>
+            <a:off x="-331837" y="53581"/>
+            <a:ext cx="6732637" cy="1576081"/>
+            <a:chOff x="1464654" y="1088796"/>
+            <a:chExt cx="6234727" cy="1459530"/>
           </a:xfrm>
         </p:grpSpPr>
         <p:sp>
@@ -2988,7 +2994,7 @@
           </p:nvSpPr>
           <p:spPr>
             <a:xfrm>
-              <a:off x="2677303" y="1404674"/>
+              <a:off x="5410394" y="1420516"/>
               <a:ext cx="1054444" cy="419888"/>
             </a:xfrm>
             <a:prstGeom prst="rect">
@@ -3020,10 +3026,9 @@
             <a:p>
               <a:pPr algn="ctr"/>
               <a:r>
-                <a:rPr lang="en-US" sz="2160" dirty="0" err="1"/>
+                <a:rPr lang="en-US" sz="2161" dirty="0"/>
                 <a:t>soc</a:t>
               </a:r>
-              <a:endParaRPr lang="en-US" sz="2160" dirty="0"/>
             </a:p>
           </p:txBody>
         </p:sp>
@@ -3035,7 +3040,7 @@
           </p:nvSpPr>
           <p:spPr>
             <a:xfrm>
-              <a:off x="5362832" y="1404672"/>
+              <a:off x="4062203" y="1420516"/>
               <a:ext cx="1054446" cy="419888"/>
             </a:xfrm>
             <a:prstGeom prst="rect">
@@ -3067,7 +3072,7 @@
             <a:p>
               <a:pPr algn="ctr"/>
               <a:r>
-                <a:rPr lang="en-US" sz="2160" dirty="0"/>
+                <a:rPr lang="en-US" sz="2161" dirty="0"/>
                 <a:t>group</a:t>
               </a:r>
             </a:p>
@@ -3081,8 +3086,8 @@
           </p:nvSpPr>
           <p:spPr>
             <a:xfrm>
-              <a:off x="2032914" y="1445339"/>
-              <a:ext cx="675533" cy="331746"/>
+              <a:off x="2032914" y="1445340"/>
+              <a:ext cx="675533" cy="331748"/>
             </a:xfrm>
             <a:prstGeom prst="rect">
               <a:avLst/>
@@ -3111,7 +3116,7 @@
           </p:nvSpPr>
           <p:spPr>
             <a:xfrm>
-              <a:off x="4020068" y="2080169"/>
+              <a:off x="2704348" y="2125637"/>
               <a:ext cx="1054443" cy="419886"/>
             </a:xfrm>
             <a:prstGeom prst="rect">
@@ -3143,7 +3148,7 @@
             <a:p>
               <a:pPr algn="ctr"/>
               <a:r>
-                <a:rPr lang="en-US" sz="2160" dirty="0"/>
+                <a:rPr lang="en-US" sz="2161" dirty="0"/>
                 <a:t>animal</a:t>
               </a:r>
             </a:p>
@@ -3157,7 +3162,7 @@
           </p:nvSpPr>
           <p:spPr>
             <a:xfrm>
-              <a:off x="2677303" y="2080171"/>
+              <a:off x="5414413" y="2125635"/>
               <a:ext cx="1054444" cy="419888"/>
             </a:xfrm>
             <a:prstGeom prst="rect">
@@ -3189,7 +3194,7 @@
             <a:p>
               <a:pPr algn="ctr"/>
               <a:r>
-                <a:rPr lang="en-US" sz="2160" dirty="0"/>
+                <a:rPr lang="en-US" sz="2161" dirty="0"/>
                 <a:t>pairs</a:t>
               </a:r>
             </a:p>
@@ -3203,7 +3208,7 @@
           </p:nvSpPr>
           <p:spPr>
             <a:xfrm>
-              <a:off x="5362832" y="2112594"/>
+              <a:off x="4055175" y="2128438"/>
               <a:ext cx="1054446" cy="419888"/>
             </a:xfrm>
             <a:prstGeom prst="rect">
@@ -3235,7 +3240,7 @@
             <a:p>
               <a:pPr algn="ctr"/>
               <a:r>
-                <a:rPr lang="en-US" sz="2160" dirty="0"/>
+                <a:rPr lang="en-US" sz="2161" dirty="0"/>
                 <a:t>trial</a:t>
               </a:r>
             </a:p>
@@ -3250,7 +3255,7 @@
           <p:spPr>
             <a:xfrm>
               <a:off x="2032913" y="2125637"/>
-              <a:ext cx="675533" cy="331746"/>
+              <a:ext cx="675533" cy="331748"/>
             </a:xfrm>
             <a:prstGeom prst="rect">
               <a:avLst/>
@@ -3282,8 +3287,8 @@
           </p:nvCxnSpPr>
           <p:spPr>
             <a:xfrm>
-              <a:off x="4547290" y="1824558"/>
-              <a:ext cx="0" cy="255611"/>
+              <a:off x="3231570" y="1840403"/>
+              <a:ext cx="0" cy="285234"/>
             </a:xfrm>
             <a:prstGeom prst="straightConnector1">
               <a:avLst/>
@@ -3315,8 +3320,8 @@
           </p:nvSpPr>
           <p:spPr>
             <a:xfrm>
-              <a:off x="4036545" y="1066506"/>
-              <a:ext cx="1021490" cy="331746"/>
+              <a:off x="2741348" y="1094788"/>
+              <a:ext cx="1021490" cy="331748"/>
             </a:xfrm>
             <a:prstGeom prst="rect">
               <a:avLst/>
@@ -3351,8 +3356,8 @@
           </p:nvSpPr>
           <p:spPr>
             <a:xfrm>
-              <a:off x="2693778" y="1066506"/>
-              <a:ext cx="1021490" cy="331746"/>
+              <a:off x="5443348" y="1094788"/>
+              <a:ext cx="1021490" cy="331748"/>
             </a:xfrm>
             <a:prstGeom prst="rect">
               <a:avLst/>
@@ -3387,8 +3392,8 @@
           </p:nvSpPr>
           <p:spPr>
             <a:xfrm>
-              <a:off x="5379308" y="1066506"/>
-              <a:ext cx="1021490" cy="331746"/>
+              <a:off x="4084111" y="1094788"/>
+              <a:ext cx="1021490" cy="331748"/>
             </a:xfrm>
             <a:prstGeom prst="rect">
               <a:avLst/>
@@ -3425,14 +3430,20 @@
             <p:nvPr/>
           </p:nvCxnSpPr>
           <p:spPr>
-            <a:xfrm>
-              <a:off x="5074511" y="1614615"/>
-              <a:ext cx="288321" cy="1"/>
+            <a:xfrm flipV="1">
+              <a:off x="3758791" y="1630459"/>
+              <a:ext cx="303411" cy="1"/>
             </a:xfrm>
             <a:prstGeom prst="straightConnector1">
               <a:avLst/>
             </a:prstGeom>
-            <a:ln w="38100">
+            <a:ln w="19050">
+              <a:solidFill>
+                <a:schemeClr val="accent1">
+                  <a:lumMod val="60000"/>
+                  <a:lumOff val="40000"/>
+                </a:schemeClr>
+              </a:solidFill>
               <a:prstDash val="sysDot"/>
               <a:tailEnd type="triangle"/>
             </a:ln>
@@ -3460,7 +3471,7 @@
           </p:nvSpPr>
           <p:spPr>
             <a:xfrm>
-              <a:off x="4020068" y="1404672"/>
+              <a:off x="2704348" y="1420517"/>
               <a:ext cx="1054443" cy="419886"/>
             </a:xfrm>
             <a:prstGeom prst="rect">
@@ -3500,10 +3511,9 @@
             <a:p>
               <a:pPr algn="ctr"/>
               <a:r>
-                <a:rPr lang="en-US" sz="2160" dirty="0" err="1"/>
+                <a:rPr lang="en-US" sz="2161" dirty="0"/>
                 <a:t>tr</a:t>
               </a:r>
-              <a:endParaRPr lang="en-US" sz="2160" dirty="0"/>
             </a:p>
           </p:txBody>
         </p:sp>
@@ -3518,8 +3528,8 @@
           </p:nvCxnSpPr>
           <p:spPr>
             <a:xfrm>
-              <a:off x="3204525" y="1824562"/>
-              <a:ext cx="0" cy="255609"/>
+              <a:off x="5937617" y="1840403"/>
+              <a:ext cx="4019" cy="285232"/>
             </a:xfrm>
             <a:prstGeom prst="straightConnector1">
               <a:avLst/>
@@ -3556,9 +3566,9 @@
             <p:nvPr/>
           </p:nvCxnSpPr>
           <p:spPr>
-            <a:xfrm>
-              <a:off x="5890055" y="1824560"/>
-              <a:ext cx="0" cy="288034"/>
+            <a:xfrm flipH="1">
+              <a:off x="4582399" y="1840403"/>
+              <a:ext cx="7028" cy="288035"/>
             </a:xfrm>
             <a:prstGeom prst="straightConnector1">
               <a:avLst/>
@@ -3587,120 +3597,14 @@
         </p:cxnSp>
         <p:sp>
           <p:nvSpPr>
-            <p:cNvPr id="55" name="Arc 54"/>
-            <p:cNvSpPr/>
-            <p:nvPr/>
-          </p:nvSpPr>
-          <p:spPr>
-            <a:xfrm rot="10800000">
-              <a:off x="3200387" y="2034436"/>
-              <a:ext cx="2755569" cy="963139"/>
-            </a:xfrm>
-            <a:prstGeom prst="arc">
-              <a:avLst>
-                <a:gd name="adj1" fmla="val 10834461"/>
-                <a:gd name="adj2" fmla="val 0"/>
-              </a:avLst>
-            </a:prstGeom>
-            <a:ln w="38100">
-              <a:solidFill>
-                <a:schemeClr val="accent4"/>
-              </a:solidFill>
-              <a:headEnd type="triangle" w="med" len="med"/>
-              <a:tailEnd type="none" w="med" len="med"/>
-            </a:ln>
-          </p:spPr>
-          <p:style>
-            <a:lnRef idx="1">
-              <a:schemeClr val="accent4"/>
-            </a:lnRef>
-            <a:fillRef idx="0">
-              <a:schemeClr val="accent4"/>
-            </a:fillRef>
-            <a:effectRef idx="0">
-              <a:schemeClr val="accent4"/>
-            </a:effectRef>
-            <a:fontRef idx="minor">
-              <a:schemeClr val="tx1"/>
-            </a:fontRef>
-          </p:style>
-          <p:txBody>
-            <a:bodyPr rot="0" spcFirstLastPara="0" vertOverflow="overflow" horzOverflow="overflow" vert="horz" wrap="square" lIns="98743" tIns="49371" rIns="98743" bIns="49371" numCol="1" spcCol="0" rtlCol="0" fromWordArt="0" anchor="ctr" anchorCtr="0" forceAA="0" compatLnSpc="1">
-              <a:prstTxWarp prst="textNoShape">
-                <a:avLst/>
-              </a:prstTxWarp>
-              <a:noAutofit/>
-            </a:bodyPr>
-            <a:lstStyle/>
-            <a:p>
-              <a:pPr algn="ctr"/>
-              <a:endParaRPr lang="en-US" sz="999"/>
-            </a:p>
-          </p:txBody>
-        </p:sp>
-        <p:sp>
-          <p:nvSpPr>
-            <p:cNvPr id="56" name="Arc 55"/>
-            <p:cNvSpPr/>
-            <p:nvPr/>
-          </p:nvSpPr>
-          <p:spPr>
-            <a:xfrm rot="10800000">
-              <a:off x="4547290" y="2195545"/>
-              <a:ext cx="1260386" cy="624971"/>
-            </a:xfrm>
-            <a:prstGeom prst="arc">
-              <a:avLst>
-                <a:gd name="adj1" fmla="val 10901681"/>
-                <a:gd name="adj2" fmla="val 0"/>
-              </a:avLst>
-            </a:prstGeom>
-            <a:ln w="38100">
-              <a:solidFill>
-                <a:schemeClr val="accent1"/>
-              </a:solidFill>
-              <a:headEnd type="triangle" w="med" len="med"/>
-              <a:tailEnd type="none" w="med" len="med"/>
-            </a:ln>
-          </p:spPr>
-          <p:style>
-            <a:lnRef idx="1">
-              <a:schemeClr val="accent4"/>
-            </a:lnRef>
-            <a:fillRef idx="0">
-              <a:schemeClr val="accent4"/>
-            </a:fillRef>
-            <a:effectRef idx="0">
-              <a:schemeClr val="accent4"/>
-            </a:effectRef>
-            <a:fontRef idx="minor">
-              <a:schemeClr val="tx1"/>
-            </a:fontRef>
-          </p:style>
-          <p:txBody>
-            <a:bodyPr rot="0" spcFirstLastPara="0" vertOverflow="overflow" horzOverflow="overflow" vert="horz" wrap="square" lIns="98743" tIns="49371" rIns="98743" bIns="49371" numCol="1" spcCol="0" rtlCol="0" fromWordArt="0" anchor="ctr" anchorCtr="0" forceAA="0" compatLnSpc="1">
-              <a:prstTxWarp prst="textNoShape">
-                <a:avLst/>
-              </a:prstTxWarp>
-              <a:noAutofit/>
-            </a:bodyPr>
-            <a:lstStyle/>
-            <a:p>
-              <a:pPr algn="ctr"/>
-              <a:endParaRPr lang="en-US" sz="999"/>
-            </a:p>
-          </p:txBody>
-        </p:sp>
-        <p:sp>
-          <p:nvSpPr>
             <p:cNvPr id="59" name="TextBox 58"/>
             <p:cNvSpPr txBox="1"/>
             <p:nvPr/>
           </p:nvSpPr>
           <p:spPr>
             <a:xfrm>
-              <a:off x="1452193" y="1066506"/>
-              <a:ext cx="1252155" cy="331746"/>
+              <a:off x="1464654" y="1088796"/>
+              <a:ext cx="1252155" cy="331748"/>
             </a:xfrm>
             <a:prstGeom prst="rect">
               <a:avLst/>
@@ -3729,13 +3633,19 @@
           </p:nvCxnSpPr>
           <p:spPr>
             <a:xfrm>
-              <a:off x="5074511" y="1818072"/>
+              <a:off x="3762891" y="1832862"/>
               <a:ext cx="288320" cy="294519"/>
             </a:xfrm>
             <a:prstGeom prst="straightConnector1">
               <a:avLst/>
             </a:prstGeom>
-            <a:ln w="38100">
+            <a:ln w="19050">
+              <a:solidFill>
+                <a:schemeClr val="accent1">
+                  <a:lumMod val="60000"/>
+                  <a:lumOff val="40000"/>
+                </a:schemeClr>
+              </a:solidFill>
               <a:prstDash val="sysDot"/>
               <a:tailEnd type="triangle"/>
             </a:ln>
@@ -3797,22 +3707,24 @@
         <p:cxnSp>
           <p:nvCxnSpPr>
             <p:cNvPr id="65" name="Straight Arrow Connector 64"/>
-            <p:cNvCxnSpPr/>
+            <p:cNvCxnSpPr>
+              <a:endCxn id="68" idx="1"/>
+            </p:cNvCxnSpPr>
             <p:nvPr/>
           </p:nvCxnSpPr>
           <p:spPr>
             <a:xfrm>
-              <a:off x="6577392" y="2128859"/>
-              <a:ext cx="288321" cy="1"/>
+              <a:off x="6577392" y="2113589"/>
+              <a:ext cx="247627" cy="2"/>
             </a:xfrm>
             <a:prstGeom prst="straightConnector1">
               <a:avLst/>
             </a:prstGeom>
-            <a:ln w="38100">
+            <a:ln w="19050">
               <a:solidFill>
                 <a:schemeClr val="tx1">
-                  <a:lumMod val="95000"/>
-                  <a:lumOff val="5000"/>
+                  <a:lumMod val="75000"/>
+                  <a:lumOff val="25000"/>
                 </a:schemeClr>
               </a:solidFill>
               <a:prstDash val="sysDot"/>
@@ -3843,7 +3755,7 @@
           <p:spPr>
             <a:xfrm>
               <a:off x="6828983" y="1652760"/>
-              <a:ext cx="770248" cy="331746"/>
+              <a:ext cx="770247" cy="331748"/>
             </a:xfrm>
             <a:prstGeom prst="rect">
               <a:avLst/>
@@ -3858,7 +3770,7 @@
             <a:p>
               <a:pPr algn="r"/>
               <a:r>
-                <a:rPr lang="en-US" sz="1728" dirty="0" smtClean="0"/>
+                <a:rPr lang="en-US" sz="1728" dirty="0"/>
                 <a:t>default</a:t>
               </a:r>
               <a:endParaRPr lang="en-US" sz="1728" dirty="0"/>
@@ -3874,7 +3786,7 @@
           <p:spPr>
             <a:xfrm>
               <a:off x="6825019" y="1947717"/>
-              <a:ext cx="874362" cy="331746"/>
+              <a:ext cx="874362" cy="331748"/>
             </a:xfrm>
             <a:prstGeom prst="rect">
               <a:avLst/>
@@ -3889,13 +3801,172 @@
             <a:p>
               <a:pPr algn="r"/>
               <a:r>
-                <a:rPr lang="en-US" sz="1728" dirty="0" smtClean="0"/>
+                <a:rPr lang="en-US" sz="1728" dirty="0"/>
                 <a:t>optional</a:t>
               </a:r>
               <a:endParaRPr lang="en-US" sz="1728" dirty="0"/>
             </a:p>
           </p:txBody>
         </p:sp>
+        <p:cxnSp>
+          <p:nvCxnSpPr>
+            <p:cNvPr id="30" name="Straight Arrow Connector 29"/>
+            <p:cNvCxnSpPr>
+              <a:stCxn id="5" idx="1"/>
+              <a:endCxn id="6" idx="3"/>
+            </p:cNvCxnSpPr>
+            <p:nvPr/>
+          </p:nvCxnSpPr>
+          <p:spPr>
+            <a:xfrm flipH="1">
+              <a:off x="5116649" y="1630459"/>
+              <a:ext cx="293745" cy="0"/>
+            </a:xfrm>
+            <a:prstGeom prst="straightConnector1">
+              <a:avLst/>
+            </a:prstGeom>
+            <a:ln w="19050">
+              <a:solidFill>
+                <a:schemeClr val="accent4">
+                  <a:lumMod val="60000"/>
+                  <a:lumOff val="40000"/>
+                </a:schemeClr>
+              </a:solidFill>
+              <a:prstDash val="sysDot"/>
+              <a:tailEnd type="triangle"/>
+            </a:ln>
+          </p:spPr>
+          <p:style>
+            <a:lnRef idx="1">
+              <a:schemeClr val="accent1"/>
+            </a:lnRef>
+            <a:fillRef idx="0">
+              <a:schemeClr val="accent1"/>
+            </a:fillRef>
+            <a:effectRef idx="0">
+              <a:schemeClr val="accent1"/>
+            </a:effectRef>
+            <a:fontRef idx="minor">
+              <a:schemeClr val="tx1"/>
+            </a:fontRef>
+          </p:style>
+        </p:cxnSp>
+        <p:cxnSp>
+          <p:nvCxnSpPr>
+            <p:cNvPr id="32" name="Straight Arrow Connector 31"/>
+            <p:cNvCxnSpPr/>
+            <p:nvPr/>
+          </p:nvCxnSpPr>
+          <p:spPr>
+            <a:xfrm flipH="1">
+              <a:off x="5106981" y="1832862"/>
+              <a:ext cx="310443" cy="292773"/>
+            </a:xfrm>
+            <a:prstGeom prst="straightConnector1">
+              <a:avLst/>
+            </a:prstGeom>
+            <a:ln w="19050">
+              <a:solidFill>
+                <a:schemeClr val="accent4">
+                  <a:lumMod val="60000"/>
+                  <a:lumOff val="40000"/>
+                </a:schemeClr>
+              </a:solidFill>
+              <a:prstDash val="sysDot"/>
+              <a:tailEnd type="triangle"/>
+            </a:ln>
+          </p:spPr>
+          <p:style>
+            <a:lnRef idx="1">
+              <a:schemeClr val="accent1"/>
+            </a:lnRef>
+            <a:fillRef idx="0">
+              <a:schemeClr val="accent1"/>
+            </a:fillRef>
+            <a:effectRef idx="0">
+              <a:schemeClr val="accent1"/>
+            </a:effectRef>
+            <a:fontRef idx="minor">
+              <a:schemeClr val="tx1"/>
+            </a:fontRef>
+          </p:style>
+        </p:cxnSp>
+        <p:cxnSp>
+          <p:nvCxnSpPr>
+            <p:cNvPr id="33" name="Straight Arrow Connector 32"/>
+            <p:cNvCxnSpPr>
+              <a:stCxn id="8" idx="3"/>
+              <a:endCxn id="10" idx="1"/>
+            </p:cNvCxnSpPr>
+            <p:nvPr/>
+          </p:nvCxnSpPr>
+          <p:spPr>
+            <a:xfrm>
+              <a:off x="3758791" y="2335580"/>
+              <a:ext cx="296384" cy="2802"/>
+            </a:xfrm>
+            <a:prstGeom prst="straightConnector1">
+              <a:avLst/>
+            </a:prstGeom>
+            <a:ln w="38100">
+              <a:tailEnd type="triangle"/>
+            </a:ln>
+          </p:spPr>
+          <p:style>
+            <a:lnRef idx="1">
+              <a:schemeClr val="accent1"/>
+            </a:lnRef>
+            <a:fillRef idx="0">
+              <a:schemeClr val="accent1"/>
+            </a:fillRef>
+            <a:effectRef idx="0">
+              <a:schemeClr val="accent1"/>
+            </a:effectRef>
+            <a:fontRef idx="minor">
+              <a:schemeClr val="tx1"/>
+            </a:fontRef>
+          </p:style>
+        </p:cxnSp>
+        <p:cxnSp>
+          <p:nvCxnSpPr>
+            <p:cNvPr id="66" name="Straight Arrow Connector 65"/>
+            <p:cNvCxnSpPr>
+              <a:stCxn id="9" idx="1"/>
+              <a:endCxn id="10" idx="3"/>
+            </p:cNvCxnSpPr>
+            <p:nvPr/>
+          </p:nvCxnSpPr>
+          <p:spPr>
+            <a:xfrm flipH="1">
+              <a:off x="5109621" y="2335580"/>
+              <a:ext cx="304792" cy="2802"/>
+            </a:xfrm>
+            <a:prstGeom prst="straightConnector1">
+              <a:avLst/>
+            </a:prstGeom>
+            <a:ln w="38100">
+              <a:solidFill>
+                <a:schemeClr val="accent4"/>
+              </a:solidFill>
+              <a:prstDash val="solid"/>
+              <a:tailEnd type="triangle"/>
+            </a:ln>
+          </p:spPr>
+          <p:style>
+            <a:lnRef idx="1">
+              <a:schemeClr val="accent1"/>
+            </a:lnRef>
+            <a:fillRef idx="0">
+              <a:schemeClr val="accent1"/>
+            </a:fillRef>
+            <a:effectRef idx="0">
+              <a:schemeClr val="accent1"/>
+            </a:effectRef>
+            <a:fontRef idx="minor">
+              <a:schemeClr val="tx1"/>
+            </a:fontRef>
+          </p:style>
+        </p:cxnSp>
       </p:grpSp>
     </p:spTree>
     <p:extLst>
@@ -3914,6 +3985,1154 @@
       </p:par>
     </p:tnLst>
   </p:timing>
+</p:sld>
+</file>
+
+<file path=ppt/slides/slide2.xml><?xml version="1.0" encoding="utf-8"?>
+<p:sld xmlns:a="http://schemas.openxmlformats.org/drawingml/2006/main" xmlns:r="http://schemas.openxmlformats.org/officeDocument/2006/relationships" xmlns:p="http://schemas.openxmlformats.org/presentationml/2006/main">
+  <p:cSld>
+    <p:spTree>
+      <p:nvGrpSpPr>
+        <p:cNvPr id="1" name=""/>
+        <p:cNvGrpSpPr/>
+        <p:nvPr/>
+      </p:nvGrpSpPr>
+      <p:grpSpPr>
+        <a:xfrm>
+          <a:off x="0" y="0"/>
+          <a:ext cx="0" cy="0"/>
+          <a:chOff x="0" y="0"/>
+          <a:chExt cx="0" cy="0"/>
+        </a:xfrm>
+      </p:grpSpPr>
+      <p:grpSp>
+        <p:nvGrpSpPr>
+          <p:cNvPr id="4" name="Group 3"/>
+          <p:cNvGrpSpPr/>
+          <p:nvPr/>
+        </p:nvGrpSpPr>
+        <p:grpSpPr>
+          <a:xfrm>
+            <a:off x="-331836" y="40894"/>
+            <a:ext cx="6732637" cy="1734828"/>
+            <a:chOff x="1464654" y="941790"/>
+            <a:chExt cx="6234727" cy="1606536"/>
+          </a:xfrm>
+        </p:grpSpPr>
+        <p:sp>
+          <p:nvSpPr>
+            <p:cNvPr id="5" name="Rectangle 4"/>
+            <p:cNvSpPr/>
+            <p:nvPr/>
+          </p:nvSpPr>
+          <p:spPr>
+            <a:xfrm>
+              <a:off x="5410394" y="1420516"/>
+              <a:ext cx="1054444" cy="419888"/>
+            </a:xfrm>
+            <a:prstGeom prst="rect">
+              <a:avLst/>
+            </a:prstGeom>
+          </p:spPr>
+          <p:style>
+            <a:lnRef idx="1">
+              <a:schemeClr val="accent4"/>
+            </a:lnRef>
+            <a:fillRef idx="2">
+              <a:schemeClr val="accent4"/>
+            </a:fillRef>
+            <a:effectRef idx="1">
+              <a:schemeClr val="accent4"/>
+            </a:effectRef>
+            <a:fontRef idx="minor">
+              <a:schemeClr val="dk1"/>
+            </a:fontRef>
+          </p:style>
+          <p:txBody>
+            <a:bodyPr rot="0" spcFirstLastPara="0" vertOverflow="overflow" horzOverflow="overflow" vert="horz" wrap="square" lIns="98743" tIns="49371" rIns="98743" bIns="49371" numCol="1" spcCol="0" rtlCol="0" fromWordArt="0" anchor="ctr" anchorCtr="0" forceAA="0" compatLnSpc="1">
+              <a:prstTxWarp prst="textNoShape">
+                <a:avLst/>
+              </a:prstTxWarp>
+              <a:noAutofit/>
+            </a:bodyPr>
+            <a:lstStyle/>
+            <a:p>
+              <a:pPr algn="ctr"/>
+              <a:r>
+                <a:rPr lang="en-US" sz="2161" dirty="0"/>
+                <a:t>soc</a:t>
+              </a:r>
+            </a:p>
+          </p:txBody>
+        </p:sp>
+        <p:sp>
+          <p:nvSpPr>
+            <p:cNvPr id="6" name="Rectangle 5"/>
+            <p:cNvSpPr/>
+            <p:nvPr/>
+          </p:nvSpPr>
+          <p:spPr>
+            <a:xfrm>
+              <a:off x="4062203" y="1420516"/>
+              <a:ext cx="1054446" cy="419888"/>
+            </a:xfrm>
+            <a:prstGeom prst="rect">
+              <a:avLst/>
+            </a:prstGeom>
+          </p:spPr>
+          <p:style>
+            <a:lnRef idx="1">
+              <a:schemeClr val="accent2"/>
+            </a:lnRef>
+            <a:fillRef idx="2">
+              <a:schemeClr val="accent2"/>
+            </a:fillRef>
+            <a:effectRef idx="1">
+              <a:schemeClr val="accent2"/>
+            </a:effectRef>
+            <a:fontRef idx="minor">
+              <a:schemeClr val="dk1"/>
+            </a:fontRef>
+          </p:style>
+          <p:txBody>
+            <a:bodyPr rot="0" spcFirstLastPara="0" vertOverflow="overflow" horzOverflow="overflow" vert="horz" wrap="square" lIns="98743" tIns="49371" rIns="98743" bIns="49371" numCol="1" spcCol="0" rtlCol="0" fromWordArt="0" anchor="ctr" anchorCtr="0" forceAA="0" compatLnSpc="1">
+              <a:prstTxWarp prst="textNoShape">
+                <a:avLst/>
+              </a:prstTxWarp>
+              <a:noAutofit/>
+            </a:bodyPr>
+            <a:lstStyle/>
+            <a:p>
+              <a:pPr algn="ctr"/>
+              <a:r>
+                <a:rPr lang="en-US" sz="2161" dirty="0"/>
+                <a:t>group</a:t>
+              </a:r>
+            </a:p>
+          </p:txBody>
+        </p:sp>
+        <p:sp>
+          <p:nvSpPr>
+            <p:cNvPr id="7" name="TextBox 6"/>
+            <p:cNvSpPr txBox="1"/>
+            <p:nvPr/>
+          </p:nvSpPr>
+          <p:spPr>
+            <a:xfrm>
+              <a:off x="2032914" y="1445339"/>
+              <a:ext cx="675533" cy="331748"/>
+            </a:xfrm>
+            <a:prstGeom prst="rect">
+              <a:avLst/>
+            </a:prstGeom>
+            <a:noFill/>
+          </p:spPr>
+          <p:txBody>
+            <a:bodyPr wrap="square" rtlCol="0">
+              <a:spAutoFit/>
+            </a:bodyPr>
+            <a:lstStyle/>
+            <a:p>
+              <a:pPr algn="r"/>
+              <a:r>
+                <a:rPr lang="en-US" sz="1728" dirty="0"/>
+                <a:t>frame</a:t>
+              </a:r>
+            </a:p>
+          </p:txBody>
+        </p:sp>
+        <p:sp>
+          <p:nvSpPr>
+            <p:cNvPr id="8" name="Rectangle 7"/>
+            <p:cNvSpPr/>
+            <p:nvPr/>
+          </p:nvSpPr>
+          <p:spPr>
+            <a:xfrm>
+              <a:off x="2704348" y="2125637"/>
+              <a:ext cx="1054443" cy="419886"/>
+            </a:xfrm>
+            <a:prstGeom prst="rect">
+              <a:avLst/>
+            </a:prstGeom>
+          </p:spPr>
+          <p:style>
+            <a:lnRef idx="1">
+              <a:schemeClr val="accent1"/>
+            </a:lnRef>
+            <a:fillRef idx="2">
+              <a:schemeClr val="accent1"/>
+            </a:fillRef>
+            <a:effectRef idx="1">
+              <a:schemeClr val="accent1"/>
+            </a:effectRef>
+            <a:fontRef idx="minor">
+              <a:schemeClr val="dk1"/>
+            </a:fontRef>
+          </p:style>
+          <p:txBody>
+            <a:bodyPr rot="0" spcFirstLastPara="0" vertOverflow="overflow" horzOverflow="overflow" vert="horz" wrap="square" lIns="98743" tIns="49371" rIns="98743" bIns="49371" numCol="1" spcCol="0" rtlCol="0" fromWordArt="0" anchor="ctr" anchorCtr="0" forceAA="0" compatLnSpc="1">
+              <a:prstTxWarp prst="textNoShape">
+                <a:avLst/>
+              </a:prstTxWarp>
+              <a:noAutofit/>
+            </a:bodyPr>
+            <a:lstStyle/>
+            <a:p>
+              <a:pPr algn="ctr"/>
+              <a:r>
+                <a:rPr lang="en-US" sz="2161" dirty="0"/>
+                <a:t>animal</a:t>
+              </a:r>
+            </a:p>
+          </p:txBody>
+        </p:sp>
+        <p:sp>
+          <p:nvSpPr>
+            <p:cNvPr id="9" name="Rectangle 8"/>
+            <p:cNvSpPr/>
+            <p:nvPr/>
+          </p:nvSpPr>
+          <p:spPr>
+            <a:xfrm>
+              <a:off x="5414413" y="2125635"/>
+              <a:ext cx="1054444" cy="419888"/>
+            </a:xfrm>
+            <a:prstGeom prst="rect">
+              <a:avLst/>
+            </a:prstGeom>
+          </p:spPr>
+          <p:style>
+            <a:lnRef idx="1">
+              <a:schemeClr val="accent4"/>
+            </a:lnRef>
+            <a:fillRef idx="2">
+              <a:schemeClr val="accent4"/>
+            </a:fillRef>
+            <a:effectRef idx="1">
+              <a:schemeClr val="accent4"/>
+            </a:effectRef>
+            <a:fontRef idx="minor">
+              <a:schemeClr val="dk1"/>
+            </a:fontRef>
+          </p:style>
+          <p:txBody>
+            <a:bodyPr rot="0" spcFirstLastPara="0" vertOverflow="overflow" horzOverflow="overflow" vert="horz" wrap="square" lIns="98743" tIns="49371" rIns="98743" bIns="49371" numCol="1" spcCol="0" rtlCol="0" fromWordArt="0" anchor="ctr" anchorCtr="0" forceAA="0" compatLnSpc="1">
+              <a:prstTxWarp prst="textNoShape">
+                <a:avLst/>
+              </a:prstTxWarp>
+              <a:noAutofit/>
+            </a:bodyPr>
+            <a:lstStyle/>
+            <a:p>
+              <a:pPr algn="ctr"/>
+              <a:r>
+                <a:rPr lang="en-US" sz="2161" dirty="0"/>
+                <a:t>pairs</a:t>
+              </a:r>
+            </a:p>
+          </p:txBody>
+        </p:sp>
+        <p:sp>
+          <p:nvSpPr>
+            <p:cNvPr id="10" name="Rectangle 9"/>
+            <p:cNvSpPr/>
+            <p:nvPr/>
+          </p:nvSpPr>
+          <p:spPr>
+            <a:xfrm>
+              <a:off x="4055175" y="2128438"/>
+              <a:ext cx="1054446" cy="419888"/>
+            </a:xfrm>
+            <a:prstGeom prst="rect">
+              <a:avLst/>
+            </a:prstGeom>
+          </p:spPr>
+          <p:style>
+            <a:lnRef idx="1">
+              <a:schemeClr val="accent2"/>
+            </a:lnRef>
+            <a:fillRef idx="2">
+              <a:schemeClr val="accent2"/>
+            </a:fillRef>
+            <a:effectRef idx="1">
+              <a:schemeClr val="accent2"/>
+            </a:effectRef>
+            <a:fontRef idx="minor">
+              <a:schemeClr val="dk1"/>
+            </a:fontRef>
+          </p:style>
+          <p:txBody>
+            <a:bodyPr rot="0" spcFirstLastPara="0" vertOverflow="overflow" horzOverflow="overflow" vert="horz" wrap="square" lIns="98743" tIns="49371" rIns="98743" bIns="49371" numCol="1" spcCol="0" rtlCol="0" fromWordArt="0" anchor="ctr" anchorCtr="0" forceAA="0" compatLnSpc="1">
+              <a:prstTxWarp prst="textNoShape">
+                <a:avLst/>
+              </a:prstTxWarp>
+              <a:noAutofit/>
+            </a:bodyPr>
+            <a:lstStyle/>
+            <a:p>
+              <a:pPr algn="ctr"/>
+              <a:r>
+                <a:rPr lang="en-US" sz="2161" dirty="0"/>
+                <a:t>trial</a:t>
+              </a:r>
+            </a:p>
+          </p:txBody>
+        </p:sp>
+        <p:sp>
+          <p:nvSpPr>
+            <p:cNvPr id="11" name="TextBox 10"/>
+            <p:cNvSpPr txBox="1"/>
+            <p:nvPr/>
+          </p:nvSpPr>
+          <p:spPr>
+            <a:xfrm>
+              <a:off x="2032913" y="2125637"/>
+              <a:ext cx="675533" cy="331748"/>
+            </a:xfrm>
+            <a:prstGeom prst="rect">
+              <a:avLst/>
+            </a:prstGeom>
+            <a:noFill/>
+          </p:spPr>
+          <p:txBody>
+            <a:bodyPr wrap="square" rtlCol="0">
+              <a:spAutoFit/>
+            </a:bodyPr>
+            <a:lstStyle/>
+            <a:p>
+              <a:pPr algn="r"/>
+              <a:r>
+                <a:rPr lang="en-US" sz="1728" dirty="0"/>
+                <a:t>trial</a:t>
+              </a:r>
+            </a:p>
+          </p:txBody>
+        </p:sp>
+        <p:cxnSp>
+          <p:nvCxnSpPr>
+            <p:cNvPr id="12" name="Straight Arrow Connector 11"/>
+            <p:cNvCxnSpPr>
+              <a:stCxn id="17" idx="2"/>
+              <a:endCxn id="8" idx="0"/>
+            </p:cNvCxnSpPr>
+            <p:nvPr/>
+          </p:nvCxnSpPr>
+          <p:spPr>
+            <a:xfrm>
+              <a:off x="3231570" y="1840403"/>
+              <a:ext cx="0" cy="285234"/>
+            </a:xfrm>
+            <a:prstGeom prst="straightConnector1">
+              <a:avLst/>
+            </a:prstGeom>
+            <a:ln w="38100">
+              <a:tailEnd type="triangle"/>
+            </a:ln>
+          </p:spPr>
+          <p:style>
+            <a:lnRef idx="1">
+              <a:schemeClr val="accent1"/>
+            </a:lnRef>
+            <a:fillRef idx="0">
+              <a:schemeClr val="accent1"/>
+            </a:fillRef>
+            <a:effectRef idx="0">
+              <a:schemeClr val="accent1"/>
+            </a:effectRef>
+            <a:fontRef idx="minor">
+              <a:schemeClr val="tx1"/>
+            </a:fontRef>
+          </p:style>
+        </p:cxnSp>
+        <p:sp>
+          <p:nvSpPr>
+            <p:cNvPr id="13" name="TextBox 12"/>
+            <p:cNvSpPr txBox="1"/>
+            <p:nvPr/>
+          </p:nvSpPr>
+          <p:spPr>
+            <a:xfrm>
+              <a:off x="2741348" y="947782"/>
+              <a:ext cx="1021490" cy="331748"/>
+            </a:xfrm>
+            <a:prstGeom prst="rect">
+              <a:avLst/>
+            </a:prstGeom>
+            <a:noFill/>
+          </p:spPr>
+          <p:txBody>
+            <a:bodyPr wrap="square" rtlCol="0">
+              <a:spAutoFit/>
+            </a:bodyPr>
+            <a:lstStyle/>
+            <a:p>
+              <a:pPr algn="ctr"/>
+              <a:r>
+                <a:rPr lang="en-US" sz="1728" dirty="0">
+                  <a:solidFill>
+                    <a:schemeClr val="accent5">
+                      <a:lumMod val="50000"/>
+                    </a:schemeClr>
+                  </a:solidFill>
+                </a:rPr>
+                <a:t>animal</a:t>
+              </a:r>
+            </a:p>
+          </p:txBody>
+        </p:sp>
+        <p:sp>
+          <p:nvSpPr>
+            <p:cNvPr id="14" name="TextBox 13"/>
+            <p:cNvSpPr txBox="1"/>
+            <p:nvPr/>
+          </p:nvSpPr>
+          <p:spPr>
+            <a:xfrm>
+              <a:off x="5443348" y="947782"/>
+              <a:ext cx="1021490" cy="331748"/>
+            </a:xfrm>
+            <a:prstGeom prst="rect">
+              <a:avLst/>
+            </a:prstGeom>
+            <a:noFill/>
+          </p:spPr>
+          <p:txBody>
+            <a:bodyPr wrap="square" rtlCol="0">
+              <a:spAutoFit/>
+            </a:bodyPr>
+            <a:lstStyle/>
+            <a:p>
+              <a:pPr algn="ctr"/>
+              <a:r>
+                <a:rPr lang="en-US" sz="1728" dirty="0">
+                  <a:solidFill>
+                    <a:schemeClr val="accent4">
+                      <a:lumMod val="50000"/>
+                    </a:schemeClr>
+                  </a:solidFill>
+                </a:rPr>
+                <a:t>pair</a:t>
+              </a:r>
+            </a:p>
+          </p:txBody>
+        </p:sp>
+        <p:sp>
+          <p:nvSpPr>
+            <p:cNvPr id="15" name="TextBox 14"/>
+            <p:cNvSpPr txBox="1"/>
+            <p:nvPr/>
+          </p:nvSpPr>
+          <p:spPr>
+            <a:xfrm>
+              <a:off x="4084111" y="947782"/>
+              <a:ext cx="1021490" cy="331748"/>
+            </a:xfrm>
+            <a:prstGeom prst="rect">
+              <a:avLst/>
+            </a:prstGeom>
+            <a:noFill/>
+          </p:spPr>
+          <p:txBody>
+            <a:bodyPr wrap="square" rtlCol="0">
+              <a:spAutoFit/>
+            </a:bodyPr>
+            <a:lstStyle/>
+            <a:p>
+              <a:pPr algn="ctr"/>
+              <a:r>
+                <a:rPr lang="en-US" sz="1728" dirty="0">
+                  <a:solidFill>
+                    <a:schemeClr val="accent2">
+                      <a:lumMod val="50000"/>
+                    </a:schemeClr>
+                  </a:solidFill>
+                </a:rPr>
+                <a:t>group</a:t>
+              </a:r>
+            </a:p>
+          </p:txBody>
+        </p:sp>
+        <p:cxnSp>
+          <p:nvCxnSpPr>
+            <p:cNvPr id="16" name="Straight Arrow Connector 15"/>
+            <p:cNvCxnSpPr>
+              <a:stCxn id="17" idx="3"/>
+              <a:endCxn id="6" idx="1"/>
+            </p:cNvCxnSpPr>
+            <p:nvPr/>
+          </p:nvCxnSpPr>
+          <p:spPr>
+            <a:xfrm flipV="1">
+              <a:off x="3758791" y="1630459"/>
+              <a:ext cx="303411" cy="1"/>
+            </a:xfrm>
+            <a:prstGeom prst="straightConnector1">
+              <a:avLst/>
+            </a:prstGeom>
+            <a:ln w="19050">
+              <a:solidFill>
+                <a:schemeClr val="accent1">
+                  <a:lumMod val="60000"/>
+                  <a:lumOff val="40000"/>
+                </a:schemeClr>
+              </a:solidFill>
+              <a:prstDash val="sysDot"/>
+              <a:tailEnd type="triangle"/>
+            </a:ln>
+          </p:spPr>
+          <p:style>
+            <a:lnRef idx="1">
+              <a:schemeClr val="accent1"/>
+            </a:lnRef>
+            <a:fillRef idx="0">
+              <a:schemeClr val="accent1"/>
+            </a:fillRef>
+            <a:effectRef idx="0">
+              <a:schemeClr val="accent1"/>
+            </a:effectRef>
+            <a:fontRef idx="minor">
+              <a:schemeClr val="tx1"/>
+            </a:fontRef>
+          </p:style>
+        </p:cxnSp>
+        <p:sp>
+          <p:nvSpPr>
+            <p:cNvPr id="17" name="Rectangle 16"/>
+            <p:cNvSpPr/>
+            <p:nvPr/>
+          </p:nvSpPr>
+          <p:spPr>
+            <a:xfrm>
+              <a:off x="2704348" y="1420517"/>
+              <a:ext cx="1054443" cy="419886"/>
+            </a:xfrm>
+            <a:prstGeom prst="rect">
+              <a:avLst/>
+            </a:prstGeom>
+            <a:ln w="28575">
+              <a:solidFill>
+                <a:schemeClr val="tx1">
+                  <a:lumMod val="95000"/>
+                  <a:lumOff val="5000"/>
+                </a:schemeClr>
+              </a:solidFill>
+            </a:ln>
+          </p:spPr>
+          <p:style>
+            <a:lnRef idx="1">
+              <a:schemeClr val="accent1"/>
+            </a:lnRef>
+            <a:fillRef idx="2">
+              <a:schemeClr val="accent1"/>
+            </a:fillRef>
+            <a:effectRef idx="1">
+              <a:schemeClr val="accent1"/>
+            </a:effectRef>
+            <a:fontRef idx="minor">
+              <a:schemeClr val="dk1"/>
+            </a:fontRef>
+          </p:style>
+          <p:txBody>
+            <a:bodyPr rot="0" spcFirstLastPara="0" vertOverflow="overflow" horzOverflow="overflow" vert="horz" wrap="square" lIns="98743" tIns="49371" rIns="98743" bIns="49371" numCol="1" spcCol="0" rtlCol="0" fromWordArt="0" anchor="ctr" anchorCtr="0" forceAA="0" compatLnSpc="1">
+              <a:prstTxWarp prst="textNoShape">
+                <a:avLst/>
+              </a:prstTxWarp>
+              <a:noAutofit/>
+            </a:bodyPr>
+            <a:lstStyle/>
+            <a:p>
+              <a:pPr algn="ctr"/>
+              <a:r>
+                <a:rPr lang="en-US" sz="2161" dirty="0"/>
+                <a:t>tr</a:t>
+              </a:r>
+            </a:p>
+          </p:txBody>
+        </p:sp>
+        <p:cxnSp>
+          <p:nvCxnSpPr>
+            <p:cNvPr id="18" name="Straight Arrow Connector 17"/>
+            <p:cNvCxnSpPr>
+              <a:stCxn id="5" idx="2"/>
+              <a:endCxn id="9" idx="0"/>
+            </p:cNvCxnSpPr>
+            <p:nvPr/>
+          </p:nvCxnSpPr>
+          <p:spPr>
+            <a:xfrm>
+              <a:off x="5937617" y="1840403"/>
+              <a:ext cx="4019" cy="285232"/>
+            </a:xfrm>
+            <a:prstGeom prst="straightConnector1">
+              <a:avLst/>
+            </a:prstGeom>
+            <a:ln w="38100">
+              <a:solidFill>
+                <a:schemeClr val="accent4"/>
+              </a:solidFill>
+              <a:tailEnd type="triangle"/>
+            </a:ln>
+          </p:spPr>
+          <p:style>
+            <a:lnRef idx="1">
+              <a:schemeClr val="accent1"/>
+            </a:lnRef>
+            <a:fillRef idx="0">
+              <a:schemeClr val="accent1"/>
+            </a:fillRef>
+            <a:effectRef idx="0">
+              <a:schemeClr val="accent1"/>
+            </a:effectRef>
+            <a:fontRef idx="minor">
+              <a:schemeClr val="tx1"/>
+            </a:fontRef>
+          </p:style>
+        </p:cxnSp>
+        <p:cxnSp>
+          <p:nvCxnSpPr>
+            <p:cNvPr id="19" name="Straight Arrow Connector 18"/>
+            <p:cNvCxnSpPr>
+              <a:stCxn id="6" idx="2"/>
+              <a:endCxn id="10" idx="0"/>
+            </p:cNvCxnSpPr>
+            <p:nvPr/>
+          </p:nvCxnSpPr>
+          <p:spPr>
+            <a:xfrm flipH="1">
+              <a:off x="4582399" y="1840403"/>
+              <a:ext cx="7028" cy="288035"/>
+            </a:xfrm>
+            <a:prstGeom prst="straightConnector1">
+              <a:avLst/>
+            </a:prstGeom>
+            <a:ln w="38100">
+              <a:solidFill>
+                <a:schemeClr val="accent2"/>
+              </a:solidFill>
+              <a:tailEnd type="triangle"/>
+            </a:ln>
+          </p:spPr>
+          <p:style>
+            <a:lnRef idx="1">
+              <a:schemeClr val="accent1"/>
+            </a:lnRef>
+            <a:fillRef idx="0">
+              <a:schemeClr val="accent1"/>
+            </a:fillRef>
+            <a:effectRef idx="0">
+              <a:schemeClr val="accent1"/>
+            </a:effectRef>
+            <a:fontRef idx="minor">
+              <a:schemeClr val="tx1"/>
+            </a:fontRef>
+          </p:style>
+        </p:cxnSp>
+        <p:sp>
+          <p:nvSpPr>
+            <p:cNvPr id="20" name="TextBox 19"/>
+            <p:cNvSpPr txBox="1"/>
+            <p:nvPr/>
+          </p:nvSpPr>
+          <p:spPr>
+            <a:xfrm>
+              <a:off x="1464654" y="941790"/>
+              <a:ext cx="1252155" cy="331748"/>
+            </a:xfrm>
+            <a:prstGeom prst="rect">
+              <a:avLst/>
+            </a:prstGeom>
+            <a:noFill/>
+          </p:spPr>
+          <p:txBody>
+            <a:bodyPr wrap="square" rtlCol="0">
+              <a:spAutoFit/>
+            </a:bodyPr>
+            <a:lstStyle/>
+            <a:p>
+              <a:pPr algn="r"/>
+              <a:r>
+                <a:rPr lang="en-US" sz="1728" i="1" dirty="0"/>
+                <a:t>grouping</a:t>
+              </a:r>
+            </a:p>
+          </p:txBody>
+        </p:sp>
+        <p:cxnSp>
+          <p:nvCxnSpPr>
+            <p:cNvPr id="21" name="Straight Arrow Connector 20"/>
+            <p:cNvCxnSpPr/>
+            <p:nvPr/>
+          </p:nvCxnSpPr>
+          <p:spPr>
+            <a:xfrm>
+              <a:off x="3762891" y="1832862"/>
+              <a:ext cx="288320" cy="294519"/>
+            </a:xfrm>
+            <a:prstGeom prst="straightConnector1">
+              <a:avLst/>
+            </a:prstGeom>
+            <a:ln w="19050">
+              <a:solidFill>
+                <a:schemeClr val="accent1">
+                  <a:lumMod val="60000"/>
+                  <a:lumOff val="40000"/>
+                </a:schemeClr>
+              </a:solidFill>
+              <a:prstDash val="sysDot"/>
+              <a:tailEnd type="triangle"/>
+            </a:ln>
+          </p:spPr>
+          <p:style>
+            <a:lnRef idx="1">
+              <a:schemeClr val="accent1"/>
+            </a:lnRef>
+            <a:fillRef idx="0">
+              <a:schemeClr val="accent1"/>
+            </a:fillRef>
+            <a:effectRef idx="0">
+              <a:schemeClr val="accent1"/>
+            </a:effectRef>
+            <a:fontRef idx="minor">
+              <a:schemeClr val="tx1"/>
+            </a:fontRef>
+          </p:style>
+        </p:cxnSp>
+        <p:cxnSp>
+          <p:nvCxnSpPr>
+            <p:cNvPr id="22" name="Straight Arrow Connector 21"/>
+            <p:cNvCxnSpPr/>
+            <p:nvPr/>
+          </p:nvCxnSpPr>
+          <p:spPr>
+            <a:xfrm flipV="1">
+              <a:off x="6577392" y="1818631"/>
+              <a:ext cx="275605" cy="1739"/>
+            </a:xfrm>
+            <a:prstGeom prst="straightConnector1">
+              <a:avLst/>
+            </a:prstGeom>
+            <a:ln w="38100">
+              <a:solidFill>
+                <a:schemeClr val="tx1">
+                  <a:lumMod val="95000"/>
+                  <a:lumOff val="5000"/>
+                </a:schemeClr>
+              </a:solidFill>
+              <a:tailEnd type="triangle"/>
+            </a:ln>
+          </p:spPr>
+          <p:style>
+            <a:lnRef idx="1">
+              <a:schemeClr val="accent1"/>
+            </a:lnRef>
+            <a:fillRef idx="0">
+              <a:schemeClr val="accent1"/>
+            </a:fillRef>
+            <a:effectRef idx="0">
+              <a:schemeClr val="accent1"/>
+            </a:effectRef>
+            <a:fontRef idx="minor">
+              <a:schemeClr val="tx1"/>
+            </a:fontRef>
+          </p:style>
+        </p:cxnSp>
+        <p:cxnSp>
+          <p:nvCxnSpPr>
+            <p:cNvPr id="23" name="Straight Arrow Connector 22"/>
+            <p:cNvCxnSpPr>
+              <a:endCxn id="25" idx="1"/>
+            </p:cNvCxnSpPr>
+            <p:nvPr/>
+          </p:nvCxnSpPr>
+          <p:spPr>
+            <a:xfrm>
+              <a:off x="6577392" y="2113590"/>
+              <a:ext cx="247627" cy="1"/>
+            </a:xfrm>
+            <a:prstGeom prst="straightConnector1">
+              <a:avLst/>
+            </a:prstGeom>
+            <a:ln w="19050">
+              <a:solidFill>
+                <a:schemeClr val="tx1">
+                  <a:lumMod val="75000"/>
+                  <a:lumOff val="25000"/>
+                </a:schemeClr>
+              </a:solidFill>
+              <a:prstDash val="sysDot"/>
+              <a:tailEnd type="triangle"/>
+            </a:ln>
+          </p:spPr>
+          <p:style>
+            <a:lnRef idx="1">
+              <a:schemeClr val="accent1"/>
+            </a:lnRef>
+            <a:fillRef idx="0">
+              <a:schemeClr val="accent1"/>
+            </a:fillRef>
+            <a:effectRef idx="0">
+              <a:schemeClr val="accent1"/>
+            </a:effectRef>
+            <a:fontRef idx="minor">
+              <a:schemeClr val="tx1"/>
+            </a:fontRef>
+          </p:style>
+        </p:cxnSp>
+        <p:sp>
+          <p:nvSpPr>
+            <p:cNvPr id="24" name="TextBox 23"/>
+            <p:cNvSpPr txBox="1"/>
+            <p:nvPr/>
+          </p:nvSpPr>
+          <p:spPr>
+            <a:xfrm>
+              <a:off x="6828983" y="1652760"/>
+              <a:ext cx="770247" cy="331748"/>
+            </a:xfrm>
+            <a:prstGeom prst="rect">
+              <a:avLst/>
+            </a:prstGeom>
+            <a:noFill/>
+          </p:spPr>
+          <p:txBody>
+            <a:bodyPr wrap="square" rtlCol="0">
+              <a:spAutoFit/>
+            </a:bodyPr>
+            <a:lstStyle/>
+            <a:p>
+              <a:pPr algn="r"/>
+              <a:r>
+                <a:rPr lang="en-US" sz="1728" dirty="0"/>
+                <a:t>default</a:t>
+              </a:r>
+              <a:endParaRPr lang="en-US" sz="1728" dirty="0"/>
+            </a:p>
+          </p:txBody>
+        </p:sp>
+        <p:sp>
+          <p:nvSpPr>
+            <p:cNvPr id="25" name="TextBox 24"/>
+            <p:cNvSpPr txBox="1"/>
+            <p:nvPr/>
+          </p:nvSpPr>
+          <p:spPr>
+            <a:xfrm>
+              <a:off x="6825019" y="1947717"/>
+              <a:ext cx="874362" cy="331748"/>
+            </a:xfrm>
+            <a:prstGeom prst="rect">
+              <a:avLst/>
+            </a:prstGeom>
+            <a:noFill/>
+          </p:spPr>
+          <p:txBody>
+            <a:bodyPr wrap="square" rtlCol="0">
+              <a:spAutoFit/>
+            </a:bodyPr>
+            <a:lstStyle/>
+            <a:p>
+              <a:pPr algn="r"/>
+              <a:r>
+                <a:rPr lang="en-US" sz="1728" dirty="0"/>
+                <a:t>optional</a:t>
+              </a:r>
+              <a:endParaRPr lang="en-US" sz="1728" dirty="0"/>
+            </a:p>
+          </p:txBody>
+        </p:sp>
+        <p:cxnSp>
+          <p:nvCxnSpPr>
+            <p:cNvPr id="26" name="Straight Arrow Connector 25"/>
+            <p:cNvCxnSpPr>
+              <a:stCxn id="5" idx="1"/>
+              <a:endCxn id="6" idx="3"/>
+            </p:cNvCxnSpPr>
+            <p:nvPr/>
+          </p:nvCxnSpPr>
+          <p:spPr>
+            <a:xfrm flipH="1">
+              <a:off x="5116649" y="1630459"/>
+              <a:ext cx="293745" cy="0"/>
+            </a:xfrm>
+            <a:prstGeom prst="straightConnector1">
+              <a:avLst/>
+            </a:prstGeom>
+            <a:ln w="19050">
+              <a:solidFill>
+                <a:schemeClr val="accent4">
+                  <a:lumMod val="60000"/>
+                  <a:lumOff val="40000"/>
+                </a:schemeClr>
+              </a:solidFill>
+              <a:prstDash val="sysDot"/>
+              <a:tailEnd type="triangle"/>
+            </a:ln>
+          </p:spPr>
+          <p:style>
+            <a:lnRef idx="1">
+              <a:schemeClr val="accent1"/>
+            </a:lnRef>
+            <a:fillRef idx="0">
+              <a:schemeClr val="accent1"/>
+            </a:fillRef>
+            <a:effectRef idx="0">
+              <a:schemeClr val="accent1"/>
+            </a:effectRef>
+            <a:fontRef idx="minor">
+              <a:schemeClr val="tx1"/>
+            </a:fontRef>
+          </p:style>
+        </p:cxnSp>
+        <p:cxnSp>
+          <p:nvCxnSpPr>
+            <p:cNvPr id="27" name="Straight Arrow Connector 26"/>
+            <p:cNvCxnSpPr/>
+            <p:nvPr/>
+          </p:nvCxnSpPr>
+          <p:spPr>
+            <a:xfrm flipH="1">
+              <a:off x="5106981" y="1832862"/>
+              <a:ext cx="310443" cy="292773"/>
+            </a:xfrm>
+            <a:prstGeom prst="straightConnector1">
+              <a:avLst/>
+            </a:prstGeom>
+            <a:ln w="19050">
+              <a:solidFill>
+                <a:schemeClr val="accent4">
+                  <a:lumMod val="60000"/>
+                  <a:lumOff val="40000"/>
+                </a:schemeClr>
+              </a:solidFill>
+              <a:prstDash val="sysDot"/>
+              <a:tailEnd type="triangle"/>
+            </a:ln>
+          </p:spPr>
+          <p:style>
+            <a:lnRef idx="1">
+              <a:schemeClr val="accent1"/>
+            </a:lnRef>
+            <a:fillRef idx="0">
+              <a:schemeClr val="accent1"/>
+            </a:fillRef>
+            <a:effectRef idx="0">
+              <a:schemeClr val="accent1"/>
+            </a:effectRef>
+            <a:fontRef idx="minor">
+              <a:schemeClr val="tx1"/>
+            </a:fontRef>
+          </p:style>
+        </p:cxnSp>
+        <p:cxnSp>
+          <p:nvCxnSpPr>
+            <p:cNvPr id="28" name="Straight Arrow Connector 27"/>
+            <p:cNvCxnSpPr>
+              <a:stCxn id="8" idx="3"/>
+              <a:endCxn id="10" idx="1"/>
+            </p:cNvCxnSpPr>
+            <p:nvPr/>
+          </p:nvCxnSpPr>
+          <p:spPr>
+            <a:xfrm>
+              <a:off x="3758791" y="2335580"/>
+              <a:ext cx="296384" cy="2802"/>
+            </a:xfrm>
+            <a:prstGeom prst="straightConnector1">
+              <a:avLst/>
+            </a:prstGeom>
+            <a:ln w="38100">
+              <a:tailEnd type="triangle"/>
+            </a:ln>
+          </p:spPr>
+          <p:style>
+            <a:lnRef idx="1">
+              <a:schemeClr val="accent1"/>
+            </a:lnRef>
+            <a:fillRef idx="0">
+              <a:schemeClr val="accent1"/>
+            </a:fillRef>
+            <a:effectRef idx="0">
+              <a:schemeClr val="accent1"/>
+            </a:effectRef>
+            <a:fontRef idx="minor">
+              <a:schemeClr val="tx1"/>
+            </a:fontRef>
+          </p:style>
+        </p:cxnSp>
+        <p:cxnSp>
+          <p:nvCxnSpPr>
+            <p:cNvPr id="29" name="Straight Arrow Connector 28"/>
+            <p:cNvCxnSpPr>
+              <a:stCxn id="9" idx="1"/>
+              <a:endCxn id="10" idx="3"/>
+            </p:cNvCxnSpPr>
+            <p:nvPr/>
+          </p:nvCxnSpPr>
+          <p:spPr>
+            <a:xfrm flipH="1">
+              <a:off x="5109621" y="2335580"/>
+              <a:ext cx="304792" cy="2802"/>
+            </a:xfrm>
+            <a:prstGeom prst="straightConnector1">
+              <a:avLst/>
+            </a:prstGeom>
+            <a:ln w="38100">
+              <a:solidFill>
+                <a:schemeClr val="accent4"/>
+              </a:solidFill>
+              <a:prstDash val="solid"/>
+              <a:tailEnd type="triangle"/>
+            </a:ln>
+          </p:spPr>
+          <p:style>
+            <a:lnRef idx="1">
+              <a:schemeClr val="accent1"/>
+            </a:lnRef>
+            <a:fillRef idx="0">
+              <a:schemeClr val="accent1"/>
+            </a:fillRef>
+            <a:effectRef idx="0">
+              <a:schemeClr val="accent1"/>
+            </a:effectRef>
+            <a:fontRef idx="minor">
+              <a:schemeClr val="tx1"/>
+            </a:fontRef>
+          </p:style>
+        </p:cxnSp>
+        <p:cxnSp>
+          <p:nvCxnSpPr>
+            <p:cNvPr id="30" name="Straight Arrow Connector 29"/>
+            <p:cNvCxnSpPr/>
+            <p:nvPr/>
+          </p:nvCxnSpPr>
+          <p:spPr>
+            <a:xfrm flipV="1">
+              <a:off x="3239633" y="1381695"/>
+              <a:ext cx="1419588" cy="0"/>
+            </a:xfrm>
+            <a:prstGeom prst="straightConnector1">
+              <a:avLst/>
+            </a:prstGeom>
+            <a:ln w="19050">
+              <a:solidFill>
+                <a:schemeClr val="accent3">
+                  <a:lumMod val="50000"/>
+                </a:schemeClr>
+              </a:solidFill>
+              <a:headEnd type="oval" w="med" len="med"/>
+              <a:tailEnd type="triangle" w="med" len="med"/>
+            </a:ln>
+          </p:spPr>
+          <p:style>
+            <a:lnRef idx="1">
+              <a:schemeClr val="accent1"/>
+            </a:lnRef>
+            <a:fillRef idx="0">
+              <a:schemeClr val="accent1"/>
+            </a:fillRef>
+            <a:effectRef idx="0">
+              <a:schemeClr val="accent1"/>
+            </a:effectRef>
+            <a:fontRef idx="minor">
+              <a:schemeClr val="tx1"/>
+            </a:fontRef>
+          </p:style>
+        </p:cxnSp>
+        <p:cxnSp>
+          <p:nvCxnSpPr>
+            <p:cNvPr id="31" name="Straight Arrow Connector 30"/>
+            <p:cNvCxnSpPr/>
+            <p:nvPr/>
+          </p:nvCxnSpPr>
+          <p:spPr>
+            <a:xfrm>
+              <a:off x="4441753" y="1382141"/>
+              <a:ext cx="1495864" cy="0"/>
+            </a:xfrm>
+            <a:prstGeom prst="straightConnector1">
+              <a:avLst/>
+            </a:prstGeom>
+            <a:ln w="19050">
+              <a:solidFill>
+                <a:schemeClr val="accent3">
+                  <a:lumMod val="50000"/>
+                </a:schemeClr>
+              </a:solidFill>
+              <a:tailEnd type="triangle"/>
+            </a:ln>
+          </p:spPr>
+          <p:style>
+            <a:lnRef idx="1">
+              <a:schemeClr val="accent1"/>
+            </a:lnRef>
+            <a:fillRef idx="0">
+              <a:schemeClr val="accent1"/>
+            </a:fillRef>
+            <a:effectRef idx="0">
+              <a:schemeClr val="accent1"/>
+            </a:effectRef>
+            <a:fontRef idx="minor">
+              <a:schemeClr val="tx1"/>
+            </a:fontRef>
+          </p:style>
+        </p:cxnSp>
+        <p:sp>
+          <p:nvSpPr>
+            <p:cNvPr id="32" name="TextBox 31"/>
+            <p:cNvSpPr txBox="1"/>
+            <p:nvPr/>
+          </p:nvSpPr>
+          <p:spPr>
+            <a:xfrm>
+              <a:off x="3898887" y="1157932"/>
+              <a:ext cx="1363129" cy="242264"/>
+            </a:xfrm>
+            <a:prstGeom prst="rect">
+              <a:avLst/>
+            </a:prstGeom>
+            <a:noFill/>
+          </p:spPr>
+          <p:txBody>
+            <a:bodyPr wrap="square" rtlCol="0">
+              <a:spAutoFit/>
+            </a:bodyPr>
+            <a:lstStyle/>
+            <a:p>
+              <a:pPr algn="ctr"/>
+              <a:r>
+                <a:rPr lang="en-US" sz="1100" i="1" dirty="0">
+                  <a:solidFill>
+                    <a:schemeClr val="bg2">
+                      <a:lumMod val="50000"/>
+                    </a:schemeClr>
+                  </a:solidFill>
+                  <a:latin typeface="Consolas" panose="020B0609020204030204" pitchFamily="49" charset="0"/>
+                </a:rPr>
+                <a:t>expand_tracks</a:t>
+              </a:r>
+              <a:endParaRPr lang="en-US" sz="1100" i="1" dirty="0">
+                <a:solidFill>
+                  <a:schemeClr val="bg2">
+                    <a:lumMod val="50000"/>
+                  </a:schemeClr>
+                </a:solidFill>
+                <a:latin typeface="Consolas" panose="020B0609020204030204" pitchFamily="49" charset="0"/>
+              </a:endParaRPr>
+            </a:p>
+          </p:txBody>
+        </p:sp>
+      </p:grpSp>
+    </p:spTree>
+    <p:extLst>
+      <p:ext uri="{BB962C8B-B14F-4D97-AF65-F5344CB8AC3E}">
+        <p14:creationId xmlns:p14="http://schemas.microsoft.com/office/powerpoint/2010/main" val="1899678540"/>
+      </p:ext>
+    </p:extLst>
+  </p:cSld>
+  <p:clrMapOvr>
+    <a:masterClrMapping/>
+  </p:clrMapOvr>
 </p:sld>
 </file>
 
